--- a/archive/midd_comunicacion_1_5_2018/slides/cap8/assets/ejercicios/cdci.pptx
+++ b/archive/midd_comunicacion_1_5_2018/slides/cap8/assets/ejercicios/cdci.pptx
@@ -179,10 +179,9 @@
           <a:lstStyle/>
           <a:p>
             <a:r>
-              <a:rPr lang="en-US" smtClean="0"/>
+              <a:rPr lang="en-US"/>
               <a:t>Click to edit Master title style</a:t>
             </a:r>
-            <a:endParaRPr lang="en-US"/>
           </a:p>
         </p:txBody>
       </p:sp>
@@ -298,10 +297,9 @@
           </a:lstStyle>
           <a:p>
             <a:r>
-              <a:rPr lang="en-US" smtClean="0"/>
+              <a:rPr lang="en-US"/>
               <a:t>Click to edit Master subtitle style</a:t>
             </a:r>
-            <a:endParaRPr lang="en-US"/>
           </a:p>
         </p:txBody>
       </p:sp>
@@ -322,7 +320,7 @@
           <a:p>
             <a:fld id="{421F31DC-B245-F349-A793-9D9CCE295DC3}" type="datetimeFigureOut">
               <a:rPr lang="en-US" smtClean="0"/>
-              <a:t>8/1/17</a:t>
+              <a:t>7/29/20</a:t>
             </a:fld>
             <a:endParaRPr lang="en-US"/>
           </a:p>
@@ -364,7 +362,7 @@
           <a:p>
             <a:fld id="{92F6C44B-8A48-5B43-B7D1-9B080EA92566}" type="slidenum">
               <a:rPr lang="en-US" smtClean="0"/>
-              <a:t>‹Nr.›</a:t>
+              <a:t>‹#›</a:t>
             </a:fld>
             <a:endParaRPr lang="en-US"/>
           </a:p>
@@ -416,7 +414,7 @@
           <a:lstStyle/>
           <a:p>
             <a:r>
-              <a:rPr lang="es-ES_tradnl" smtClean="0"/>
+              <a:rPr lang="es-ES_tradnl"/>
               <a:t>Click to edit Master title style</a:t>
             </a:r>
             <a:endParaRPr lang="en-US"/>
@@ -440,35 +438,35 @@
           <a:p>
             <a:pPr lvl="0"/>
             <a:r>
-              <a:rPr lang="es-ES_tradnl" smtClean="0"/>
+              <a:rPr lang="es-ES_tradnl"/>
               <a:t>Click to edit Master text styles</a:t>
             </a:r>
           </a:p>
           <a:p>
             <a:pPr lvl="1"/>
             <a:r>
-              <a:rPr lang="es-ES_tradnl" smtClean="0"/>
+              <a:rPr lang="es-ES_tradnl"/>
               <a:t>Second level</a:t>
             </a:r>
           </a:p>
           <a:p>
             <a:pPr lvl="2"/>
             <a:r>
-              <a:rPr lang="es-ES_tradnl" smtClean="0"/>
+              <a:rPr lang="es-ES_tradnl"/>
               <a:t>Third level</a:t>
             </a:r>
           </a:p>
           <a:p>
             <a:pPr lvl="3"/>
             <a:r>
-              <a:rPr lang="es-ES_tradnl" smtClean="0"/>
+              <a:rPr lang="es-ES_tradnl"/>
               <a:t>Fourth level</a:t>
             </a:r>
           </a:p>
           <a:p>
             <a:pPr lvl="4"/>
             <a:r>
-              <a:rPr lang="es-ES_tradnl" smtClean="0"/>
+              <a:rPr lang="es-ES_tradnl"/>
               <a:t>Fifth level</a:t>
             </a:r>
             <a:endParaRPr lang="en-US"/>
@@ -492,7 +490,7 @@
           <a:p>
             <a:fld id="{421F31DC-B245-F349-A793-9D9CCE295DC3}" type="datetimeFigureOut">
               <a:rPr lang="en-US" smtClean="0"/>
-              <a:t>8/1/17</a:t>
+              <a:t>7/29/20</a:t>
             </a:fld>
             <a:endParaRPr lang="en-US"/>
           </a:p>
@@ -534,7 +532,7 @@
           <a:p>
             <a:fld id="{92F6C44B-8A48-5B43-B7D1-9B080EA92566}" type="slidenum">
               <a:rPr lang="en-US" smtClean="0"/>
-              <a:t>‹Nr.›</a:t>
+              <a:t>‹#›</a:t>
             </a:fld>
             <a:endParaRPr lang="en-US"/>
           </a:p>
@@ -591,7 +589,7 @@
           <a:lstStyle/>
           <a:p>
             <a:r>
-              <a:rPr lang="es-ES_tradnl" smtClean="0"/>
+              <a:rPr lang="es-ES_tradnl"/>
               <a:t>Click to edit Master title style</a:t>
             </a:r>
             <a:endParaRPr lang="en-US"/>
@@ -620,35 +618,35 @@
           <a:p>
             <a:pPr lvl="0"/>
             <a:r>
-              <a:rPr lang="es-ES_tradnl" smtClean="0"/>
+              <a:rPr lang="es-ES_tradnl"/>
               <a:t>Click to edit Master text styles</a:t>
             </a:r>
           </a:p>
           <a:p>
             <a:pPr lvl="1"/>
             <a:r>
-              <a:rPr lang="es-ES_tradnl" smtClean="0"/>
+              <a:rPr lang="es-ES_tradnl"/>
               <a:t>Second level</a:t>
             </a:r>
           </a:p>
           <a:p>
             <a:pPr lvl="2"/>
             <a:r>
-              <a:rPr lang="es-ES_tradnl" smtClean="0"/>
+              <a:rPr lang="es-ES_tradnl"/>
               <a:t>Third level</a:t>
             </a:r>
           </a:p>
           <a:p>
             <a:pPr lvl="3"/>
             <a:r>
-              <a:rPr lang="es-ES_tradnl" smtClean="0"/>
+              <a:rPr lang="es-ES_tradnl"/>
               <a:t>Fourth level</a:t>
             </a:r>
           </a:p>
           <a:p>
             <a:pPr lvl="4"/>
             <a:r>
-              <a:rPr lang="es-ES_tradnl" smtClean="0"/>
+              <a:rPr lang="es-ES_tradnl"/>
               <a:t>Fifth level</a:t>
             </a:r>
             <a:endParaRPr lang="en-US"/>
@@ -672,7 +670,7 @@
           <a:p>
             <a:fld id="{421F31DC-B245-F349-A793-9D9CCE295DC3}" type="datetimeFigureOut">
               <a:rPr lang="en-US" smtClean="0"/>
-              <a:t>8/1/17</a:t>
+              <a:t>7/29/20</a:t>
             </a:fld>
             <a:endParaRPr lang="en-US"/>
           </a:p>
@@ -714,7 +712,7 @@
           <a:p>
             <a:fld id="{92F6C44B-8A48-5B43-B7D1-9B080EA92566}" type="slidenum">
               <a:rPr lang="en-US" smtClean="0"/>
-              <a:t>‹Nr.›</a:t>
+              <a:t>‹#›</a:t>
             </a:fld>
             <a:endParaRPr lang="en-US"/>
           </a:p>
@@ -766,7 +764,7 @@
           <a:lstStyle/>
           <a:p>
             <a:r>
-              <a:rPr lang="es-ES_tradnl" smtClean="0"/>
+              <a:rPr lang="es-ES_tradnl"/>
               <a:t>Click to edit Master title style</a:t>
             </a:r>
             <a:endParaRPr lang="en-US"/>
@@ -790,35 +788,35 @@
           <a:p>
             <a:pPr lvl="0"/>
             <a:r>
-              <a:rPr lang="es-ES_tradnl" smtClean="0"/>
+              <a:rPr lang="es-ES_tradnl"/>
               <a:t>Click to edit Master text styles</a:t>
             </a:r>
           </a:p>
           <a:p>
             <a:pPr lvl="1"/>
             <a:r>
-              <a:rPr lang="es-ES_tradnl" smtClean="0"/>
+              <a:rPr lang="es-ES_tradnl"/>
               <a:t>Second level</a:t>
             </a:r>
           </a:p>
           <a:p>
             <a:pPr lvl="2"/>
             <a:r>
-              <a:rPr lang="es-ES_tradnl" smtClean="0"/>
+              <a:rPr lang="es-ES_tradnl"/>
               <a:t>Third level</a:t>
             </a:r>
           </a:p>
           <a:p>
             <a:pPr lvl="3"/>
             <a:r>
-              <a:rPr lang="es-ES_tradnl" smtClean="0"/>
+              <a:rPr lang="es-ES_tradnl"/>
               <a:t>Fourth level</a:t>
             </a:r>
           </a:p>
           <a:p>
             <a:pPr lvl="4"/>
             <a:r>
-              <a:rPr lang="es-ES_tradnl" smtClean="0"/>
+              <a:rPr lang="es-ES_tradnl"/>
               <a:t>Fifth level</a:t>
             </a:r>
             <a:endParaRPr lang="en-US"/>
@@ -842,7 +840,7 @@
           <a:p>
             <a:fld id="{421F31DC-B245-F349-A793-9D9CCE295DC3}" type="datetimeFigureOut">
               <a:rPr lang="en-US" smtClean="0"/>
-              <a:t>8/1/17</a:t>
+              <a:t>7/29/20</a:t>
             </a:fld>
             <a:endParaRPr lang="en-US"/>
           </a:p>
@@ -884,7 +882,7 @@
           <a:p>
             <a:fld id="{92F6C44B-8A48-5B43-B7D1-9B080EA92566}" type="slidenum">
               <a:rPr lang="en-US" smtClean="0"/>
-              <a:t>‹Nr.›</a:t>
+              <a:t>‹#›</a:t>
             </a:fld>
             <a:endParaRPr lang="en-US"/>
           </a:p>
@@ -945,7 +943,7 @@
           </a:lstStyle>
           <a:p>
             <a:r>
-              <a:rPr lang="es-ES_tradnl" smtClean="0"/>
+              <a:rPr lang="es-ES_tradnl"/>
               <a:t>Click to edit Master title style</a:t>
             </a:r>
             <a:endParaRPr lang="en-US"/>
@@ -1065,7 +1063,7 @@
           <a:p>
             <a:pPr lvl="0"/>
             <a:r>
-              <a:rPr lang="es-ES_tradnl" smtClean="0"/>
+              <a:rPr lang="es-ES_tradnl"/>
               <a:t>Click to edit Master text styles</a:t>
             </a:r>
           </a:p>
@@ -1088,7 +1086,7 @@
           <a:p>
             <a:fld id="{421F31DC-B245-F349-A793-9D9CCE295DC3}" type="datetimeFigureOut">
               <a:rPr lang="en-US" smtClean="0"/>
-              <a:t>8/1/17</a:t>
+              <a:t>7/29/20</a:t>
             </a:fld>
             <a:endParaRPr lang="en-US"/>
           </a:p>
@@ -1130,7 +1128,7 @@
           <a:p>
             <a:fld id="{92F6C44B-8A48-5B43-B7D1-9B080EA92566}" type="slidenum">
               <a:rPr lang="en-US" smtClean="0"/>
-              <a:t>‹Nr.›</a:t>
+              <a:t>‹#›</a:t>
             </a:fld>
             <a:endParaRPr lang="en-US"/>
           </a:p>
@@ -1182,7 +1180,7 @@
           <a:lstStyle/>
           <a:p>
             <a:r>
-              <a:rPr lang="es-ES_tradnl" smtClean="0"/>
+              <a:rPr lang="es-ES_tradnl"/>
               <a:t>Click to edit Master title style</a:t>
             </a:r>
             <a:endParaRPr lang="en-US"/>
@@ -1239,35 +1237,35 @@
           <a:p>
             <a:pPr lvl="0"/>
             <a:r>
-              <a:rPr lang="es-ES_tradnl" smtClean="0"/>
+              <a:rPr lang="es-ES_tradnl"/>
               <a:t>Click to edit Master text styles</a:t>
             </a:r>
           </a:p>
           <a:p>
             <a:pPr lvl="1"/>
             <a:r>
-              <a:rPr lang="es-ES_tradnl" smtClean="0"/>
+              <a:rPr lang="es-ES_tradnl"/>
               <a:t>Second level</a:t>
             </a:r>
           </a:p>
           <a:p>
             <a:pPr lvl="2"/>
             <a:r>
-              <a:rPr lang="es-ES_tradnl" smtClean="0"/>
+              <a:rPr lang="es-ES_tradnl"/>
               <a:t>Third level</a:t>
             </a:r>
           </a:p>
           <a:p>
             <a:pPr lvl="3"/>
             <a:r>
-              <a:rPr lang="es-ES_tradnl" smtClean="0"/>
+              <a:rPr lang="es-ES_tradnl"/>
               <a:t>Fourth level</a:t>
             </a:r>
           </a:p>
           <a:p>
             <a:pPr lvl="4"/>
             <a:r>
-              <a:rPr lang="es-ES_tradnl" smtClean="0"/>
+              <a:rPr lang="es-ES_tradnl"/>
               <a:t>Fifth level</a:t>
             </a:r>
             <a:endParaRPr lang="en-US"/>
@@ -1324,35 +1322,35 @@
           <a:p>
             <a:pPr lvl="0"/>
             <a:r>
-              <a:rPr lang="es-ES_tradnl" smtClean="0"/>
+              <a:rPr lang="es-ES_tradnl"/>
               <a:t>Click to edit Master text styles</a:t>
             </a:r>
           </a:p>
           <a:p>
             <a:pPr lvl="1"/>
             <a:r>
-              <a:rPr lang="es-ES_tradnl" smtClean="0"/>
+              <a:rPr lang="es-ES_tradnl"/>
               <a:t>Second level</a:t>
             </a:r>
           </a:p>
           <a:p>
             <a:pPr lvl="2"/>
             <a:r>
-              <a:rPr lang="es-ES_tradnl" smtClean="0"/>
+              <a:rPr lang="es-ES_tradnl"/>
               <a:t>Third level</a:t>
             </a:r>
           </a:p>
           <a:p>
             <a:pPr lvl="3"/>
             <a:r>
-              <a:rPr lang="es-ES_tradnl" smtClean="0"/>
+              <a:rPr lang="es-ES_tradnl"/>
               <a:t>Fourth level</a:t>
             </a:r>
           </a:p>
           <a:p>
             <a:pPr lvl="4"/>
             <a:r>
-              <a:rPr lang="es-ES_tradnl" smtClean="0"/>
+              <a:rPr lang="es-ES_tradnl"/>
               <a:t>Fifth level</a:t>
             </a:r>
             <a:endParaRPr lang="en-US"/>
@@ -1376,7 +1374,7 @@
           <a:p>
             <a:fld id="{421F31DC-B245-F349-A793-9D9CCE295DC3}" type="datetimeFigureOut">
               <a:rPr lang="en-US" smtClean="0"/>
-              <a:t>8/1/17</a:t>
+              <a:t>7/29/20</a:t>
             </a:fld>
             <a:endParaRPr lang="en-US"/>
           </a:p>
@@ -1418,7 +1416,7 @@
           <a:p>
             <a:fld id="{92F6C44B-8A48-5B43-B7D1-9B080EA92566}" type="slidenum">
               <a:rPr lang="en-US" smtClean="0"/>
-              <a:t>‹Nr.›</a:t>
+              <a:t>‹#›</a:t>
             </a:fld>
             <a:endParaRPr lang="en-US"/>
           </a:p>
@@ -1474,7 +1472,7 @@
           </a:lstStyle>
           <a:p>
             <a:r>
-              <a:rPr lang="es-ES_tradnl" smtClean="0"/>
+              <a:rPr lang="es-ES_tradnl"/>
               <a:t>Click to edit Master title style</a:t>
             </a:r>
             <a:endParaRPr lang="en-US"/>
@@ -1540,7 +1538,7 @@
           <a:p>
             <a:pPr lvl="0"/>
             <a:r>
-              <a:rPr lang="es-ES_tradnl" smtClean="0"/>
+              <a:rPr lang="es-ES_tradnl"/>
               <a:t>Click to edit Master text styles</a:t>
             </a:r>
           </a:p>
@@ -1596,35 +1594,35 @@
           <a:p>
             <a:pPr lvl="0"/>
             <a:r>
-              <a:rPr lang="es-ES_tradnl" smtClean="0"/>
+              <a:rPr lang="es-ES_tradnl"/>
               <a:t>Click to edit Master text styles</a:t>
             </a:r>
           </a:p>
           <a:p>
             <a:pPr lvl="1"/>
             <a:r>
-              <a:rPr lang="es-ES_tradnl" smtClean="0"/>
+              <a:rPr lang="es-ES_tradnl"/>
               <a:t>Second level</a:t>
             </a:r>
           </a:p>
           <a:p>
             <a:pPr lvl="2"/>
             <a:r>
-              <a:rPr lang="es-ES_tradnl" smtClean="0"/>
+              <a:rPr lang="es-ES_tradnl"/>
               <a:t>Third level</a:t>
             </a:r>
           </a:p>
           <a:p>
             <a:pPr lvl="3"/>
             <a:r>
-              <a:rPr lang="es-ES_tradnl" smtClean="0"/>
+              <a:rPr lang="es-ES_tradnl"/>
               <a:t>Fourth level</a:t>
             </a:r>
           </a:p>
           <a:p>
             <a:pPr lvl="4"/>
             <a:r>
-              <a:rPr lang="es-ES_tradnl" smtClean="0"/>
+              <a:rPr lang="es-ES_tradnl"/>
               <a:t>Fifth level</a:t>
             </a:r>
             <a:endParaRPr lang="en-US"/>
@@ -1690,7 +1688,7 @@
           <a:p>
             <a:pPr lvl="0"/>
             <a:r>
-              <a:rPr lang="es-ES_tradnl" smtClean="0"/>
+              <a:rPr lang="es-ES_tradnl"/>
               <a:t>Click to edit Master text styles</a:t>
             </a:r>
           </a:p>
@@ -1746,35 +1744,35 @@
           <a:p>
             <a:pPr lvl="0"/>
             <a:r>
-              <a:rPr lang="es-ES_tradnl" smtClean="0"/>
+              <a:rPr lang="es-ES_tradnl"/>
               <a:t>Click to edit Master text styles</a:t>
             </a:r>
           </a:p>
           <a:p>
             <a:pPr lvl="1"/>
             <a:r>
-              <a:rPr lang="es-ES_tradnl" smtClean="0"/>
+              <a:rPr lang="es-ES_tradnl"/>
               <a:t>Second level</a:t>
             </a:r>
           </a:p>
           <a:p>
             <a:pPr lvl="2"/>
             <a:r>
-              <a:rPr lang="es-ES_tradnl" smtClean="0"/>
+              <a:rPr lang="es-ES_tradnl"/>
               <a:t>Third level</a:t>
             </a:r>
           </a:p>
           <a:p>
             <a:pPr lvl="3"/>
             <a:r>
-              <a:rPr lang="es-ES_tradnl" smtClean="0"/>
+              <a:rPr lang="es-ES_tradnl"/>
               <a:t>Fourth level</a:t>
             </a:r>
           </a:p>
           <a:p>
             <a:pPr lvl="4"/>
             <a:r>
-              <a:rPr lang="es-ES_tradnl" smtClean="0"/>
+              <a:rPr lang="es-ES_tradnl"/>
               <a:t>Fifth level</a:t>
             </a:r>
             <a:endParaRPr lang="en-US"/>
@@ -1798,7 +1796,7 @@
           <a:p>
             <a:fld id="{421F31DC-B245-F349-A793-9D9CCE295DC3}" type="datetimeFigureOut">
               <a:rPr lang="en-US" smtClean="0"/>
-              <a:t>8/1/17</a:t>
+              <a:t>7/29/20</a:t>
             </a:fld>
             <a:endParaRPr lang="en-US"/>
           </a:p>
@@ -1840,7 +1838,7 @@
           <a:p>
             <a:fld id="{92F6C44B-8A48-5B43-B7D1-9B080EA92566}" type="slidenum">
               <a:rPr lang="en-US" smtClean="0"/>
-              <a:t>‹Nr.›</a:t>
+              <a:t>‹#›</a:t>
             </a:fld>
             <a:endParaRPr lang="en-US"/>
           </a:p>
@@ -1892,7 +1890,7 @@
           <a:lstStyle/>
           <a:p>
             <a:r>
-              <a:rPr lang="es-ES_tradnl" smtClean="0"/>
+              <a:rPr lang="es-ES_tradnl"/>
               <a:t>Click to edit Master title style</a:t>
             </a:r>
             <a:endParaRPr lang="en-US"/>
@@ -1916,7 +1914,7 @@
           <a:p>
             <a:fld id="{421F31DC-B245-F349-A793-9D9CCE295DC3}" type="datetimeFigureOut">
               <a:rPr lang="en-US" smtClean="0"/>
-              <a:t>8/1/17</a:t>
+              <a:t>7/29/20</a:t>
             </a:fld>
             <a:endParaRPr lang="en-US"/>
           </a:p>
@@ -1958,7 +1956,7 @@
           <a:p>
             <a:fld id="{92F6C44B-8A48-5B43-B7D1-9B080EA92566}" type="slidenum">
               <a:rPr lang="en-US" smtClean="0"/>
-              <a:t>‹Nr.›</a:t>
+              <a:t>‹#›</a:t>
             </a:fld>
             <a:endParaRPr lang="en-US"/>
           </a:p>
@@ -2011,7 +2009,7 @@
           <a:p>
             <a:fld id="{421F31DC-B245-F349-A793-9D9CCE295DC3}" type="datetimeFigureOut">
               <a:rPr lang="en-US" smtClean="0"/>
-              <a:t>8/1/17</a:t>
+              <a:t>7/29/20</a:t>
             </a:fld>
             <a:endParaRPr lang="en-US"/>
           </a:p>
@@ -2053,7 +2051,7 @@
           <a:p>
             <a:fld id="{92F6C44B-8A48-5B43-B7D1-9B080EA92566}" type="slidenum">
               <a:rPr lang="en-US" smtClean="0"/>
-              <a:t>‹Nr.›</a:t>
+              <a:t>‹#›</a:t>
             </a:fld>
             <a:endParaRPr lang="en-US"/>
           </a:p>
@@ -2114,7 +2112,7 @@
           </a:lstStyle>
           <a:p>
             <a:r>
-              <a:rPr lang="es-ES_tradnl" smtClean="0"/>
+              <a:rPr lang="es-ES_tradnl"/>
               <a:t>Click to edit Master title style</a:t>
             </a:r>
             <a:endParaRPr lang="en-US"/>
@@ -2171,35 +2169,35 @@
           <a:p>
             <a:pPr lvl="0"/>
             <a:r>
-              <a:rPr lang="es-ES_tradnl" smtClean="0"/>
+              <a:rPr lang="es-ES_tradnl"/>
               <a:t>Click to edit Master text styles</a:t>
             </a:r>
           </a:p>
           <a:p>
             <a:pPr lvl="1"/>
             <a:r>
-              <a:rPr lang="es-ES_tradnl" smtClean="0"/>
+              <a:rPr lang="es-ES_tradnl"/>
               <a:t>Second level</a:t>
             </a:r>
           </a:p>
           <a:p>
             <a:pPr lvl="2"/>
             <a:r>
-              <a:rPr lang="es-ES_tradnl" smtClean="0"/>
+              <a:rPr lang="es-ES_tradnl"/>
               <a:t>Third level</a:t>
             </a:r>
           </a:p>
           <a:p>
             <a:pPr lvl="3"/>
             <a:r>
-              <a:rPr lang="es-ES_tradnl" smtClean="0"/>
+              <a:rPr lang="es-ES_tradnl"/>
               <a:t>Fourth level</a:t>
             </a:r>
           </a:p>
           <a:p>
             <a:pPr lvl="4"/>
             <a:r>
-              <a:rPr lang="es-ES_tradnl" smtClean="0"/>
+              <a:rPr lang="es-ES_tradnl"/>
               <a:t>Fifth level</a:t>
             </a:r>
             <a:endParaRPr lang="en-US"/>
@@ -2265,7 +2263,7 @@
           <a:p>
             <a:pPr lvl="0"/>
             <a:r>
-              <a:rPr lang="es-ES_tradnl" smtClean="0"/>
+              <a:rPr lang="es-ES_tradnl"/>
               <a:t>Click to edit Master text styles</a:t>
             </a:r>
           </a:p>
@@ -2288,7 +2286,7 @@
           <a:p>
             <a:fld id="{421F31DC-B245-F349-A793-9D9CCE295DC3}" type="datetimeFigureOut">
               <a:rPr lang="en-US" smtClean="0"/>
-              <a:t>8/1/17</a:t>
+              <a:t>7/29/20</a:t>
             </a:fld>
             <a:endParaRPr lang="en-US"/>
           </a:p>
@@ -2330,7 +2328,7 @@
           <a:p>
             <a:fld id="{92F6C44B-8A48-5B43-B7D1-9B080EA92566}" type="slidenum">
               <a:rPr lang="en-US" smtClean="0"/>
-              <a:t>‹Nr.›</a:t>
+              <a:t>‹#›</a:t>
             </a:fld>
             <a:endParaRPr lang="en-US"/>
           </a:p>
@@ -2391,7 +2389,7 @@
           </a:lstStyle>
           <a:p>
             <a:r>
-              <a:rPr lang="es-ES_tradnl" smtClean="0"/>
+              <a:rPr lang="es-ES_tradnl"/>
               <a:t>Click to edit Master title style</a:t>
             </a:r>
             <a:endParaRPr lang="en-US"/>
@@ -2518,7 +2516,7 @@
           <a:p>
             <a:pPr lvl="0"/>
             <a:r>
-              <a:rPr lang="es-ES_tradnl" smtClean="0"/>
+              <a:rPr lang="es-ES_tradnl"/>
               <a:t>Click to edit Master text styles</a:t>
             </a:r>
           </a:p>
@@ -2541,7 +2539,7 @@
           <a:p>
             <a:fld id="{421F31DC-B245-F349-A793-9D9CCE295DC3}" type="datetimeFigureOut">
               <a:rPr lang="en-US" smtClean="0"/>
-              <a:t>8/1/17</a:t>
+              <a:t>7/29/20</a:t>
             </a:fld>
             <a:endParaRPr lang="en-US"/>
           </a:p>
@@ -2583,7 +2581,7 @@
           <a:p>
             <a:fld id="{92F6C44B-8A48-5B43-B7D1-9B080EA92566}" type="slidenum">
               <a:rPr lang="en-US" smtClean="0"/>
-              <a:t>‹Nr.›</a:t>
+              <a:t>‹#›</a:t>
             </a:fld>
             <a:endParaRPr lang="en-US"/>
           </a:p>
@@ -2650,10 +2648,9 @@
           <a:lstStyle/>
           <a:p>
             <a:r>
-              <a:rPr lang="en-US" smtClean="0"/>
+              <a:rPr lang="en-US"/>
               <a:t>Click to edit Master title style</a:t>
             </a:r>
-            <a:endParaRPr lang="en-US"/>
           </a:p>
         </p:txBody>
       </p:sp>
@@ -2684,38 +2681,37 @@
           <a:p>
             <a:pPr lvl="0"/>
             <a:r>
-              <a:rPr lang="en-US" smtClean="0"/>
+              <a:rPr lang="en-US"/>
               <a:t>Click to edit Master text styles</a:t>
             </a:r>
           </a:p>
           <a:p>
             <a:pPr lvl="1"/>
             <a:r>
-              <a:rPr lang="en-US" smtClean="0"/>
+              <a:rPr lang="en-US"/>
               <a:t>Second level</a:t>
             </a:r>
           </a:p>
           <a:p>
             <a:pPr lvl="2"/>
             <a:r>
-              <a:rPr lang="en-US" smtClean="0"/>
+              <a:rPr lang="en-US"/>
               <a:t>Third level</a:t>
             </a:r>
           </a:p>
           <a:p>
             <a:pPr lvl="3"/>
             <a:r>
-              <a:rPr lang="en-US" smtClean="0"/>
+              <a:rPr lang="en-US"/>
               <a:t>Fourth level</a:t>
             </a:r>
           </a:p>
           <a:p>
             <a:pPr lvl="4"/>
             <a:r>
-              <a:rPr lang="en-US" smtClean="0"/>
+              <a:rPr lang="en-US"/>
               <a:t>Fifth level</a:t>
             </a:r>
-            <a:endParaRPr lang="en-US"/>
           </a:p>
         </p:txBody>
       </p:sp>
@@ -2754,7 +2750,7 @@
           <a:p>
             <a:fld id="{421F31DC-B245-F349-A793-9D9CCE295DC3}" type="datetimeFigureOut">
               <a:rPr lang="en-US" smtClean="0"/>
-              <a:t>8/1/17</a:t>
+              <a:t>7/29/20</a:t>
             </a:fld>
             <a:endParaRPr lang="en-US"/>
           </a:p>
@@ -2832,7 +2828,7 @@
           <a:p>
             <a:fld id="{92F6C44B-8A48-5B43-B7D1-9B080EA92566}" type="slidenum">
               <a:rPr lang="en-US" smtClean="0"/>
-              <a:t>‹Nr.›</a:t>
+              <a:t>‹#›</a:t>
             </a:fld>
             <a:endParaRPr lang="en-US"/>
           </a:p>
@@ -3150,14 +3146,13 @@
           <a:lstStyle/>
           <a:p>
             <a:r>
-              <a:rPr lang="en-US" dirty="0" err="1" smtClean="0"/>
+              <a:rPr lang="en-US" dirty="0" err="1"/>
               <a:t>Situación</a:t>
             </a:r>
             <a:r>
-              <a:rPr lang="en-US" dirty="0" smtClean="0"/>
+              <a:rPr lang="en-US" dirty="0"/>
               <a:t> 1</a:t>
             </a:r>
-            <a:endParaRPr lang="en-US" dirty="0"/>
           </a:p>
         </p:txBody>
       </p:sp>
@@ -3171,13 +3166,6 @@
   <p:clrMapOvr>
     <a:masterClrMapping/>
   </p:clrMapOvr>
-  <p:timing>
-    <p:tnLst>
-      <p:par>
-        <p:cTn id="1" dur="indefinite" restart="never" nodeType="tmRoot"/>
-      </p:par>
-    </p:tnLst>
-  </p:timing>
 </p:sld>
 </file>
 
@@ -3297,7 +3285,7 @@
         <p:spPr>
           <a:xfrm>
             <a:off x="1172015" y="4744523"/>
-            <a:ext cx="548548" cy="369332"/>
+            <a:ext cx="588623" cy="369332"/>
           </a:xfrm>
           <a:prstGeom prst="rect">
             <a:avLst/>
@@ -3311,10 +3299,9 @@
           <a:lstStyle/>
           <a:p>
             <a:r>
-              <a:rPr lang="en-US" dirty="0" smtClean="0"/>
-              <a:t>Will</a:t>
-            </a:r>
-            <a:endParaRPr lang="en-US" dirty="0"/>
+              <a:rPr lang="en-US" dirty="0"/>
+              <a:t>Nick</a:t>
+            </a:r>
           </a:p>
         </p:txBody>
       </p:sp>
@@ -3327,7 +3314,7 @@
         <p:spPr>
           <a:xfrm>
             <a:off x="4362337" y="3630901"/>
-            <a:ext cx="1149161" cy="369332"/>
+            <a:ext cx="833883" cy="369332"/>
           </a:xfrm>
           <a:prstGeom prst="rect">
             <a:avLst/>
@@ -3341,10 +3328,9 @@
           <a:lstStyle/>
           <a:p>
             <a:r>
-              <a:rPr lang="en-US" dirty="0" smtClean="0"/>
-              <a:t>Barba roja</a:t>
-            </a:r>
-            <a:endParaRPr lang="en-US" dirty="0"/>
+              <a:rPr lang="en-US" dirty="0"/>
+              <a:t>Miguel</a:t>
+            </a:r>
           </a:p>
         </p:txBody>
       </p:sp>
@@ -3387,7 +3373,7 @@
         <p:spPr>
           <a:xfrm>
             <a:off x="7068093" y="4368317"/>
-            <a:ext cx="816249" cy="369332"/>
+            <a:ext cx="729687" cy="369332"/>
           </a:xfrm>
           <a:prstGeom prst="rect">
             <a:avLst/>
@@ -3401,10 +3387,9 @@
           <a:lstStyle/>
           <a:p>
             <a:r>
-              <a:rPr lang="en-US" dirty="0" smtClean="0"/>
-              <a:t>Seema</a:t>
-            </a:r>
-            <a:endParaRPr lang="en-US" dirty="0"/>
+              <a:rPr lang="en-US" dirty="0"/>
+              <a:t>Annie</a:t>
+            </a:r>
           </a:p>
         </p:txBody>
       </p:sp>
@@ -3432,11 +3417,11 @@
           <a:p>
             <a:pPr algn="ctr"/>
             <a:r>
-              <a:rPr lang="en-US" sz="5000" dirty="0" smtClean="0"/>
-              <a:t>Will </a:t>
-            </a:r>
-            <a:r>
-              <a:rPr lang="en-US" sz="5000" dirty="0" smtClean="0">
+              <a:rPr lang="en-US" sz="5000" dirty="0"/>
+              <a:t>Nick </a:t>
+            </a:r>
+            <a:r>
+              <a:rPr lang="en-US" sz="5000" dirty="0">
                 <a:solidFill>
                   <a:srgbClr val="FF0000"/>
                 </a:solidFill>
@@ -3444,11 +3429,11 @@
               <a:t>se</a:t>
             </a:r>
             <a:r>
-              <a:rPr lang="en-US" sz="5000" dirty="0" smtClean="0"/>
+              <a:rPr lang="en-US" sz="5000" dirty="0"/>
               <a:t> </a:t>
             </a:r>
             <a:r>
-              <a:rPr lang="en-US" sz="5000" dirty="0" smtClean="0">
+              <a:rPr lang="en-US" sz="5000" dirty="0">
                 <a:solidFill>
                   <a:srgbClr val="558ED5"/>
                 </a:solidFill>
@@ -3456,46 +3441,16 @@
               <a:t>la </a:t>
             </a:r>
             <a:r>
-              <a:rPr lang="en-US" sz="5000" u="sng" dirty="0" smtClean="0"/>
+              <a:rPr lang="en-US" sz="5000" u="sng" dirty="0"/>
               <a:t>da</a:t>
             </a:r>
             <a:r>
-              <a:rPr lang="en-US" sz="5000" dirty="0" smtClean="0"/>
+              <a:rPr lang="en-US" sz="5000" dirty="0"/>
               <a:t>.</a:t>
             </a:r>
           </a:p>
         </p:txBody>
       </p:sp>
-      <p:pic>
-        <p:nvPicPr>
-          <p:cNvPr id="10" name="Imagen 9"/>
-          <p:cNvPicPr>
-            <a:picLocks noChangeAspect="1"/>
-          </p:cNvPicPr>
-          <p:nvPr/>
-        </p:nvPicPr>
-        <p:blipFill>
-          <a:blip r:embed="rId6">
-            <a:extLst>
-              <a:ext uri="{28A0092B-C50C-407E-A947-70E740481C1C}">
-                <a14:useLocalDpi xmlns:a14="http://schemas.microsoft.com/office/drawing/2010/main" val="0"/>
-              </a:ext>
-            </a:extLst>
-          </a:blip>
-          <a:stretch>
-            <a:fillRect/>
-          </a:stretch>
-        </p:blipFill>
-        <p:spPr>
-          <a:xfrm>
-            <a:off x="3995629" y="1212341"/>
-            <a:ext cx="1620311" cy="754026"/>
-          </a:xfrm>
-          <a:prstGeom prst="rect">
-            <a:avLst/>
-          </a:prstGeom>
-        </p:spPr>
-      </p:pic>
     </p:spTree>
     <p:extLst>
       <p:ext uri="{BB962C8B-B14F-4D97-AF65-F5344CB8AC3E}">
@@ -3506,13 +3461,6 @@
   <p:clrMapOvr>
     <a:masterClrMapping/>
   </p:clrMapOvr>
-  <p:timing>
-    <p:tnLst>
-      <p:par>
-        <p:cTn id="1" dur="indefinite" restart="never" nodeType="tmRoot"/>
-      </p:par>
-    </p:tnLst>
-  </p:timing>
 </p:sld>
 </file>
 
@@ -3632,7 +3580,7 @@
         <p:spPr>
           <a:xfrm>
             <a:off x="1172015" y="4744523"/>
-            <a:ext cx="548548" cy="369332"/>
+            <a:ext cx="588623" cy="369332"/>
           </a:xfrm>
           <a:prstGeom prst="rect">
             <a:avLst/>
@@ -3646,10 +3594,9 @@
           <a:lstStyle/>
           <a:p>
             <a:r>
-              <a:rPr lang="en-US" dirty="0" smtClean="0"/>
-              <a:t>Will</a:t>
-            </a:r>
-            <a:endParaRPr lang="en-US" dirty="0"/>
+              <a:rPr lang="en-US" dirty="0"/>
+              <a:t>Nick</a:t>
+            </a:r>
           </a:p>
         </p:txBody>
       </p:sp>
@@ -3662,7 +3609,7 @@
         <p:spPr>
           <a:xfrm>
             <a:off x="4362337" y="3630901"/>
-            <a:ext cx="1149161" cy="369332"/>
+            <a:ext cx="833883" cy="369332"/>
           </a:xfrm>
           <a:prstGeom prst="rect">
             <a:avLst/>
@@ -3676,10 +3623,9 @@
           <a:lstStyle/>
           <a:p>
             <a:r>
-              <a:rPr lang="en-US" dirty="0" smtClean="0"/>
-              <a:t>Barba roja</a:t>
-            </a:r>
-            <a:endParaRPr lang="en-US" dirty="0"/>
+              <a:rPr lang="en-US" dirty="0"/>
+              <a:t>Miguel</a:t>
+            </a:r>
           </a:p>
         </p:txBody>
       </p:sp>
@@ -3722,7 +3668,7 @@
         <p:spPr>
           <a:xfrm>
             <a:off x="7068093" y="4368317"/>
-            <a:ext cx="816249" cy="369332"/>
+            <a:ext cx="729687" cy="369332"/>
           </a:xfrm>
           <a:prstGeom prst="rect">
             <a:avLst/>
@@ -3736,10 +3682,9 @@
           <a:lstStyle/>
           <a:p>
             <a:r>
-              <a:rPr lang="en-US" dirty="0" smtClean="0"/>
-              <a:t>Seema</a:t>
-            </a:r>
-            <a:endParaRPr lang="en-US" dirty="0"/>
+              <a:rPr lang="en-US" dirty="0"/>
+              <a:t>Annie</a:t>
+            </a:r>
           </a:p>
         </p:txBody>
       </p:sp>
@@ -3767,14 +3712,10 @@
           <a:p>
             <a:pPr algn="ctr"/>
             <a:r>
-              <a:rPr lang="en-US" sz="5000" dirty="0" smtClean="0"/>
-              <a:t>¿Qué dice </a:t>
-            </a:r>
-            <a:r>
-              <a:rPr lang="en-US" sz="5000" dirty="0" smtClean="0"/>
-              <a:t>Will?</a:t>
-            </a:r>
-            <a:endParaRPr lang="en-US" sz="5000" u="sng" dirty="0" smtClean="0"/>
+              <a:rPr lang="en-US" sz="5000" dirty="0"/>
+              <a:t>¿Qué dice Nick?</a:t>
+            </a:r>
+            <a:endParaRPr lang="en-US" sz="5000" u="sng" dirty="0"/>
           </a:p>
         </p:txBody>
       </p:sp>
@@ -3813,10 +3754,9 @@
           <a:p>
             <a:pPr algn="ctr"/>
             <a:r>
-              <a:rPr lang="en-US" sz="3000" dirty="0" smtClean="0"/>
+              <a:rPr lang="en-US" sz="3000" dirty="0"/>
               <a:t>Se/os la doy</a:t>
             </a:r>
-            <a:endParaRPr lang="en-US" sz="3000" dirty="0"/>
           </a:p>
         </p:txBody>
       </p:sp>
@@ -3853,36 +3793,6 @@
           </a:fontRef>
         </p:style>
       </p:cxnSp>
-      <p:pic>
-        <p:nvPicPr>
-          <p:cNvPr id="14" name="Imagen 13"/>
-          <p:cNvPicPr>
-            <a:picLocks noChangeAspect="1"/>
-          </p:cNvPicPr>
-          <p:nvPr/>
-        </p:nvPicPr>
-        <p:blipFill>
-          <a:blip r:embed="rId6">
-            <a:extLst>
-              <a:ext uri="{28A0092B-C50C-407E-A947-70E740481C1C}">
-                <a14:useLocalDpi xmlns:a14="http://schemas.microsoft.com/office/drawing/2010/main" val="0"/>
-              </a:ext>
-            </a:extLst>
-          </a:blip>
-          <a:stretch>
-            <a:fillRect/>
-          </a:stretch>
-        </p:blipFill>
-        <p:spPr>
-          <a:xfrm>
-            <a:off x="3995629" y="1212341"/>
-            <a:ext cx="1620311" cy="754026"/>
-          </a:xfrm>
-          <a:prstGeom prst="rect">
-            <a:avLst/>
-          </a:prstGeom>
-        </p:spPr>
-      </p:pic>
       <p:cxnSp>
         <p:nvCxnSpPr>
           <p:cNvPr id="13" name="Straight Arrow Connector 12"/>
@@ -4283,7 +4193,7 @@
         <p:spPr>
           <a:xfrm>
             <a:off x="1172015" y="4744523"/>
-            <a:ext cx="548548" cy="369332"/>
+            <a:ext cx="588623" cy="369332"/>
           </a:xfrm>
           <a:prstGeom prst="rect">
             <a:avLst/>
@@ -4297,10 +4207,9 @@
           <a:lstStyle/>
           <a:p>
             <a:r>
-              <a:rPr lang="en-US" dirty="0" smtClean="0"/>
-              <a:t>Will</a:t>
-            </a:r>
-            <a:endParaRPr lang="en-US" dirty="0"/>
+              <a:rPr lang="en-US" dirty="0"/>
+              <a:t>Nick</a:t>
+            </a:r>
           </a:p>
         </p:txBody>
       </p:sp>
@@ -4313,7 +4222,7 @@
         <p:spPr>
           <a:xfrm>
             <a:off x="4362337" y="3630901"/>
-            <a:ext cx="1149161" cy="369332"/>
+            <a:ext cx="833883" cy="369332"/>
           </a:xfrm>
           <a:prstGeom prst="rect">
             <a:avLst/>
@@ -4327,10 +4236,9 @@
           <a:lstStyle/>
           <a:p>
             <a:r>
-              <a:rPr lang="en-US" dirty="0" smtClean="0"/>
-              <a:t>Barba roja</a:t>
-            </a:r>
-            <a:endParaRPr lang="en-US" dirty="0"/>
+              <a:rPr lang="en-US" dirty="0"/>
+              <a:t>Miguel</a:t>
+            </a:r>
           </a:p>
         </p:txBody>
       </p:sp>
@@ -4373,7 +4281,7 @@
         <p:spPr>
           <a:xfrm>
             <a:off x="7068093" y="4368317"/>
-            <a:ext cx="816249" cy="369332"/>
+            <a:ext cx="729687" cy="369332"/>
           </a:xfrm>
           <a:prstGeom prst="rect">
             <a:avLst/>
@@ -4387,10 +4295,9 @@
           <a:lstStyle/>
           <a:p>
             <a:r>
-              <a:rPr lang="en-US" dirty="0" smtClean="0"/>
-              <a:t>Seema</a:t>
-            </a:r>
-            <a:endParaRPr lang="en-US" dirty="0"/>
+              <a:rPr lang="en-US" dirty="0"/>
+              <a:t>Annie</a:t>
+            </a:r>
           </a:p>
         </p:txBody>
       </p:sp>
@@ -4418,14 +4325,10 @@
           <a:p>
             <a:pPr algn="ctr"/>
             <a:r>
-              <a:rPr lang="en-US" sz="5000" dirty="0" smtClean="0"/>
-              <a:t>¿Qué dice </a:t>
-            </a:r>
-            <a:r>
-              <a:rPr lang="en-US" sz="5000" dirty="0" smtClean="0"/>
-              <a:t>Seema?</a:t>
-            </a:r>
-            <a:endParaRPr lang="en-US" sz="5000" u="sng" dirty="0" smtClean="0"/>
+              <a:rPr lang="en-US" sz="5000" dirty="0"/>
+              <a:t>¿Qué dice Annie?</a:t>
+            </a:r>
+            <a:endParaRPr lang="en-US" sz="5000" u="sng" dirty="0"/>
           </a:p>
         </p:txBody>
       </p:sp>
@@ -4463,36 +4366,6 @@
           </a:fontRef>
         </p:style>
       </p:cxnSp>
-      <p:pic>
-        <p:nvPicPr>
-          <p:cNvPr id="14" name="Imagen 13"/>
-          <p:cNvPicPr>
-            <a:picLocks noChangeAspect="1"/>
-          </p:cNvPicPr>
-          <p:nvPr/>
-        </p:nvPicPr>
-        <p:blipFill>
-          <a:blip r:embed="rId6">
-            <a:extLst>
-              <a:ext uri="{28A0092B-C50C-407E-A947-70E740481C1C}">
-                <a14:useLocalDpi xmlns:a14="http://schemas.microsoft.com/office/drawing/2010/main" val="0"/>
-              </a:ext>
-            </a:extLst>
-          </a:blip>
-          <a:stretch>
-            <a:fillRect/>
-          </a:stretch>
-        </p:blipFill>
-        <p:spPr>
-          <a:xfrm>
-            <a:off x="3995629" y="1212341"/>
-            <a:ext cx="1620311" cy="754026"/>
-          </a:xfrm>
-          <a:prstGeom prst="rect">
-            <a:avLst/>
-          </a:prstGeom>
-        </p:spPr>
-      </p:pic>
       <p:cxnSp>
         <p:nvCxnSpPr>
           <p:cNvPr id="13" name="Straight Arrow Connector 12"/>
@@ -4849,7 +4722,7 @@
         <p:spPr>
           <a:xfrm>
             <a:off x="1172015" y="4744523"/>
-            <a:ext cx="548548" cy="369332"/>
+            <a:ext cx="588623" cy="369332"/>
           </a:xfrm>
           <a:prstGeom prst="rect">
             <a:avLst/>
@@ -4863,10 +4736,9 @@
           <a:lstStyle/>
           <a:p>
             <a:r>
-              <a:rPr lang="en-US" dirty="0" smtClean="0"/>
-              <a:t>Will</a:t>
-            </a:r>
-            <a:endParaRPr lang="en-US" dirty="0"/>
+              <a:rPr lang="en-US" dirty="0"/>
+              <a:t>Nick</a:t>
+            </a:r>
           </a:p>
         </p:txBody>
       </p:sp>
@@ -4879,7 +4751,7 @@
         <p:spPr>
           <a:xfrm>
             <a:off x="4362337" y="3630901"/>
-            <a:ext cx="1149161" cy="369332"/>
+            <a:ext cx="833883" cy="369332"/>
           </a:xfrm>
           <a:prstGeom prst="rect">
             <a:avLst/>
@@ -4893,10 +4765,9 @@
           <a:lstStyle/>
           <a:p>
             <a:r>
-              <a:rPr lang="en-US" dirty="0" smtClean="0"/>
-              <a:t>Barba roja</a:t>
-            </a:r>
-            <a:endParaRPr lang="en-US" dirty="0"/>
+              <a:rPr lang="en-US" dirty="0"/>
+              <a:t>Miguel</a:t>
+            </a:r>
           </a:p>
         </p:txBody>
       </p:sp>
@@ -4939,7 +4810,7 @@
         <p:spPr>
           <a:xfrm>
             <a:off x="7068093" y="4368317"/>
-            <a:ext cx="816249" cy="369332"/>
+            <a:ext cx="729687" cy="369332"/>
           </a:xfrm>
           <a:prstGeom prst="rect">
             <a:avLst/>
@@ -4953,10 +4824,9 @@
           <a:lstStyle/>
           <a:p>
             <a:r>
-              <a:rPr lang="en-US" dirty="0" smtClean="0"/>
-              <a:t>Seema</a:t>
-            </a:r>
-            <a:endParaRPr lang="en-US" dirty="0"/>
+              <a:rPr lang="en-US" dirty="0"/>
+              <a:t>Annie</a:t>
+            </a:r>
           </a:p>
         </p:txBody>
       </p:sp>
@@ -4984,14 +4854,10 @@
           <a:p>
             <a:pPr algn="ctr"/>
             <a:r>
-              <a:rPr lang="en-US" sz="5000" dirty="0" smtClean="0"/>
-              <a:t>¿Qué dice </a:t>
-            </a:r>
-            <a:r>
-              <a:rPr lang="en-US" sz="5000" dirty="0" smtClean="0"/>
-              <a:t>Seema?</a:t>
-            </a:r>
-            <a:endParaRPr lang="en-US" sz="5000" u="sng" dirty="0" smtClean="0"/>
+              <a:rPr lang="en-US" sz="5000" dirty="0"/>
+              <a:t>¿Qué dice Annie?</a:t>
+            </a:r>
+            <a:endParaRPr lang="en-US" sz="5000" u="sng" dirty="0"/>
           </a:p>
         </p:txBody>
       </p:sp>
@@ -5034,13 +4900,8 @@
             <a:pPr algn="ctr"/>
             <a:r>
               <a:rPr lang="en-US" sz="3000" dirty="0"/>
-              <a:t>N</a:t>
-            </a:r>
-            <a:r>
-              <a:rPr lang="en-US" sz="3000" dirty="0" smtClean="0"/>
-              <a:t>os la das</a:t>
-            </a:r>
-            <a:endParaRPr lang="en-US" sz="3000" dirty="0"/>
+              <a:t>Nos la das</a:t>
+            </a:r>
           </a:p>
         </p:txBody>
       </p:sp>
@@ -5078,36 +4939,6 @@
           </a:fontRef>
         </p:style>
       </p:cxnSp>
-      <p:pic>
-        <p:nvPicPr>
-          <p:cNvPr id="14" name="Imagen 13"/>
-          <p:cNvPicPr>
-            <a:picLocks noChangeAspect="1"/>
-          </p:cNvPicPr>
-          <p:nvPr/>
-        </p:nvPicPr>
-        <p:blipFill>
-          <a:blip r:embed="rId6">
-            <a:extLst>
-              <a:ext uri="{28A0092B-C50C-407E-A947-70E740481C1C}">
-                <a14:useLocalDpi xmlns:a14="http://schemas.microsoft.com/office/drawing/2010/main" val="0"/>
-              </a:ext>
-            </a:extLst>
-          </a:blip>
-          <a:stretch>
-            <a:fillRect/>
-          </a:stretch>
-        </p:blipFill>
-        <p:spPr>
-          <a:xfrm>
-            <a:off x="3995629" y="1212341"/>
-            <a:ext cx="1620311" cy="754026"/>
-          </a:xfrm>
-          <a:prstGeom prst="rect">
-            <a:avLst/>
-          </a:prstGeom>
-        </p:spPr>
-      </p:pic>
       <p:cxnSp>
         <p:nvCxnSpPr>
           <p:cNvPr id="13" name="Straight Arrow Connector 12"/>
@@ -5434,14 +5265,13 @@
           <a:lstStyle/>
           <a:p>
             <a:r>
-              <a:rPr lang="en-US" dirty="0" err="1" smtClean="0"/>
+              <a:rPr lang="en-US" dirty="0" err="1"/>
               <a:t>Situación</a:t>
             </a:r>
             <a:r>
-              <a:rPr lang="en-US" dirty="0" smtClean="0"/>
+              <a:rPr lang="en-US" dirty="0"/>
               <a:t> 3</a:t>
             </a:r>
-            <a:endParaRPr lang="en-US" dirty="0"/>
           </a:p>
         </p:txBody>
       </p:sp>
@@ -5455,13 +5285,6 @@
   <p:clrMapOvr>
     <a:masterClrMapping/>
   </p:clrMapOvr>
-  <p:timing>
-    <p:tnLst>
-      <p:par>
-        <p:cTn id="1" dur="indefinite" restart="never" nodeType="tmRoot"/>
-      </p:par>
-    </p:tnLst>
-  </p:timing>
 </p:sld>
 </file>
 
@@ -5551,7 +5374,7 @@
         <p:spPr>
           <a:xfrm>
             <a:off x="1172015" y="4744523"/>
-            <a:ext cx="548548" cy="369332"/>
+            <a:ext cx="588623" cy="369332"/>
           </a:xfrm>
           <a:prstGeom prst="rect">
             <a:avLst/>
@@ -5565,10 +5388,9 @@
           <a:lstStyle/>
           <a:p>
             <a:r>
-              <a:rPr lang="en-US" dirty="0" smtClean="0"/>
-              <a:t>Will</a:t>
-            </a:r>
-            <a:endParaRPr lang="en-US" dirty="0"/>
+              <a:rPr lang="en-US" dirty="0"/>
+              <a:t>Nick</a:t>
+            </a:r>
           </a:p>
         </p:txBody>
       </p:sp>
@@ -5581,7 +5403,7 @@
         <p:spPr>
           <a:xfrm>
             <a:off x="4362337" y="3630901"/>
-            <a:ext cx="1149161" cy="369332"/>
+            <a:ext cx="833883" cy="369332"/>
           </a:xfrm>
           <a:prstGeom prst="rect">
             <a:avLst/>
@@ -5595,10 +5417,9 @@
           <a:lstStyle/>
           <a:p>
             <a:r>
-              <a:rPr lang="en-US" dirty="0" smtClean="0"/>
-              <a:t>Barba roja</a:t>
-            </a:r>
-            <a:endParaRPr lang="en-US" dirty="0"/>
+              <a:rPr lang="en-US" dirty="0"/>
+              <a:t>Miguel</a:t>
+            </a:r>
           </a:p>
         </p:txBody>
       </p:sp>
@@ -5641,7 +5462,7 @@
         <p:spPr>
           <a:xfrm>
             <a:off x="7068093" y="4368317"/>
-            <a:ext cx="816249" cy="369332"/>
+            <a:ext cx="729687" cy="369332"/>
           </a:xfrm>
           <a:prstGeom prst="rect">
             <a:avLst/>
@@ -5655,10 +5476,9 @@
           <a:lstStyle/>
           <a:p>
             <a:r>
-              <a:rPr lang="en-US" dirty="0" smtClean="0"/>
-              <a:t>Seema</a:t>
-            </a:r>
-            <a:endParaRPr lang="en-US" dirty="0"/>
+              <a:rPr lang="en-US" dirty="0"/>
+              <a:t>Annie</a:t>
+            </a:r>
           </a:p>
         </p:txBody>
       </p:sp>
@@ -5716,11 +5536,11 @@
           <a:p>
             <a:pPr algn="ctr"/>
             <a:r>
-              <a:rPr lang="en-US" sz="5000" dirty="0" smtClean="0"/>
-              <a:t>Seema y Barba roja </a:t>
-            </a:r>
-            <a:r>
-              <a:rPr lang="en-US" sz="5000" dirty="0" smtClean="0">
+              <a:rPr lang="en-US" sz="5000" dirty="0"/>
+              <a:t>Annie y Miguel </a:t>
+            </a:r>
+            <a:r>
+              <a:rPr lang="en-US" sz="5000" dirty="0">
                 <a:solidFill>
                   <a:srgbClr val="FF0000"/>
                 </a:solidFill>
@@ -5728,19 +5548,19 @@
               <a:t>le</a:t>
             </a:r>
             <a:r>
-              <a:rPr lang="en-US" sz="5000" dirty="0" smtClean="0"/>
+              <a:rPr lang="en-US" sz="5000" dirty="0"/>
               <a:t> </a:t>
             </a:r>
             <a:r>
-              <a:rPr lang="en-US" sz="5000" u="sng" dirty="0" smtClean="0"/>
+              <a:rPr lang="en-US" sz="5000" u="sng" dirty="0"/>
               <a:t>dan</a:t>
             </a:r>
             <a:r>
-              <a:rPr lang="en-US" sz="5000" dirty="0" smtClean="0"/>
+              <a:rPr lang="en-US" sz="5000" dirty="0"/>
               <a:t> </a:t>
             </a:r>
             <a:r>
-              <a:rPr lang="en-US" sz="5000" dirty="0" smtClean="0">
+              <a:rPr lang="en-US" sz="5000" dirty="0">
                 <a:solidFill>
                   <a:srgbClr val="558ED5"/>
                 </a:solidFill>
@@ -5748,26 +5568,17 @@
               <a:t>la pelota </a:t>
             </a:r>
             <a:r>
-              <a:rPr lang="en-US" sz="5000" dirty="0" smtClean="0">
+              <a:rPr lang="en-US" sz="5000" dirty="0">
                 <a:solidFill>
                   <a:srgbClr val="FF0000"/>
                 </a:solidFill>
               </a:rPr>
-              <a:t>a </a:t>
-            </a:r>
-            <a:r>
-              <a:rPr lang="en-US" sz="5000" dirty="0" smtClean="0">
-                <a:solidFill>
-                  <a:srgbClr val="FF0000"/>
-                </a:solidFill>
-              </a:rPr>
-              <a:t>Will</a:t>
-            </a:r>
-            <a:r>
-              <a:rPr lang="en-US" sz="5000" dirty="0" smtClean="0"/>
+              <a:t>a Nick</a:t>
+            </a:r>
+            <a:r>
+              <a:rPr lang="en-US" sz="5000" dirty="0"/>
               <a:t>.</a:t>
             </a:r>
-            <a:endParaRPr lang="en-US" sz="5000" dirty="0" smtClean="0"/>
           </a:p>
         </p:txBody>
       </p:sp>
@@ -5781,13 +5592,6 @@
   <p:clrMapOvr>
     <a:masterClrMapping/>
   </p:clrMapOvr>
-  <p:timing>
-    <p:tnLst>
-      <p:par>
-        <p:cTn id="1" dur="indefinite" restart="never" nodeType="tmRoot"/>
-      </p:par>
-    </p:tnLst>
-  </p:timing>
 </p:sld>
 </file>
 
@@ -5877,7 +5681,7 @@
         <p:spPr>
           <a:xfrm>
             <a:off x="1172015" y="4744523"/>
-            <a:ext cx="548548" cy="369332"/>
+            <a:ext cx="588623" cy="369332"/>
           </a:xfrm>
           <a:prstGeom prst="rect">
             <a:avLst/>
@@ -5891,10 +5695,9 @@
           <a:lstStyle/>
           <a:p>
             <a:r>
-              <a:rPr lang="en-US" dirty="0" smtClean="0"/>
-              <a:t>Will</a:t>
-            </a:r>
-            <a:endParaRPr lang="en-US" dirty="0"/>
+              <a:rPr lang="en-US" dirty="0"/>
+              <a:t>Nick</a:t>
+            </a:r>
           </a:p>
         </p:txBody>
       </p:sp>
@@ -5907,7 +5710,7 @@
         <p:spPr>
           <a:xfrm>
             <a:off x="4362337" y="3630901"/>
-            <a:ext cx="1149161" cy="369332"/>
+            <a:ext cx="833883" cy="369332"/>
           </a:xfrm>
           <a:prstGeom prst="rect">
             <a:avLst/>
@@ -5921,10 +5724,9 @@
           <a:lstStyle/>
           <a:p>
             <a:r>
-              <a:rPr lang="en-US" dirty="0" smtClean="0"/>
-              <a:t>Barba roja</a:t>
-            </a:r>
-            <a:endParaRPr lang="en-US" dirty="0"/>
+              <a:rPr lang="en-US" dirty="0"/>
+              <a:t>Miguel</a:t>
+            </a:r>
           </a:p>
         </p:txBody>
       </p:sp>
@@ -5967,7 +5769,7 @@
         <p:spPr>
           <a:xfrm>
             <a:off x="7068093" y="4368317"/>
-            <a:ext cx="816249" cy="369332"/>
+            <a:ext cx="729687" cy="369332"/>
           </a:xfrm>
           <a:prstGeom prst="rect">
             <a:avLst/>
@@ -5981,10 +5783,9 @@
           <a:lstStyle/>
           <a:p>
             <a:r>
-              <a:rPr lang="en-US" dirty="0" smtClean="0"/>
-              <a:t>Seema</a:t>
-            </a:r>
-            <a:endParaRPr lang="en-US" dirty="0"/>
+              <a:rPr lang="en-US" dirty="0"/>
+              <a:t>Annie</a:t>
+            </a:r>
           </a:p>
         </p:txBody>
       </p:sp>
@@ -6047,22 +5848,14 @@
                   <a:srgbClr val="FF0000"/>
                 </a:solidFill>
               </a:rPr>
-              <a:t>S</a:t>
-            </a:r>
-            <a:r>
-              <a:rPr lang="en-US" sz="5000" dirty="0" smtClean="0">
-                <a:solidFill>
-                  <a:srgbClr val="FF0000"/>
-                </a:solidFill>
-              </a:rPr>
-              <a:t>e</a:t>
-            </a:r>
-            <a:r>
-              <a:rPr lang="en-US" sz="5000" dirty="0" smtClean="0"/>
+              <a:t>Se</a:t>
+            </a:r>
+            <a:r>
+              <a:rPr lang="en-US" sz="5000" dirty="0"/>
               <a:t> </a:t>
             </a:r>
             <a:r>
-              <a:rPr lang="en-US" sz="5000" dirty="0" smtClean="0">
+              <a:rPr lang="en-US" sz="5000" dirty="0">
                 <a:solidFill>
                   <a:srgbClr val="558ED5"/>
                 </a:solidFill>
@@ -6070,14 +5863,13 @@
               <a:t>la </a:t>
             </a:r>
             <a:r>
-              <a:rPr lang="en-US" sz="5000" u="sng" dirty="0" smtClean="0"/>
+              <a:rPr lang="en-US" sz="5000" u="sng" dirty="0"/>
               <a:t>dan</a:t>
             </a:r>
             <a:r>
               <a:rPr lang="en-US" sz="5000" dirty="0"/>
               <a:t>.</a:t>
             </a:r>
-            <a:endParaRPr lang="en-US" sz="5000" dirty="0" smtClean="0"/>
           </a:p>
         </p:txBody>
       </p:sp>
@@ -6091,13 +5883,6 @@
   <p:clrMapOvr>
     <a:masterClrMapping/>
   </p:clrMapOvr>
-  <p:timing>
-    <p:tnLst>
-      <p:par>
-        <p:cTn id="1" dur="indefinite" restart="never" nodeType="tmRoot"/>
-      </p:par>
-    </p:tnLst>
-  </p:timing>
 </p:sld>
 </file>
 
@@ -6187,7 +5972,7 @@
         <p:spPr>
           <a:xfrm>
             <a:off x="1172015" y="4744523"/>
-            <a:ext cx="548548" cy="369332"/>
+            <a:ext cx="588623" cy="369332"/>
           </a:xfrm>
           <a:prstGeom prst="rect">
             <a:avLst/>
@@ -6201,10 +5986,9 @@
           <a:lstStyle/>
           <a:p>
             <a:r>
-              <a:rPr lang="en-US" dirty="0" smtClean="0"/>
-              <a:t>Will</a:t>
-            </a:r>
-            <a:endParaRPr lang="en-US" dirty="0"/>
+              <a:rPr lang="en-US" dirty="0"/>
+              <a:t>Nick</a:t>
+            </a:r>
           </a:p>
         </p:txBody>
       </p:sp>
@@ -6217,7 +6001,7 @@
         <p:spPr>
           <a:xfrm>
             <a:off x="4362337" y="3630901"/>
-            <a:ext cx="1149161" cy="369332"/>
+            <a:ext cx="833883" cy="369332"/>
           </a:xfrm>
           <a:prstGeom prst="rect">
             <a:avLst/>
@@ -6231,10 +6015,9 @@
           <a:lstStyle/>
           <a:p>
             <a:r>
-              <a:rPr lang="en-US" dirty="0" smtClean="0"/>
-              <a:t>Barba roja</a:t>
-            </a:r>
-            <a:endParaRPr lang="en-US" dirty="0"/>
+              <a:rPr lang="en-US" dirty="0"/>
+              <a:t>Miguel</a:t>
+            </a:r>
           </a:p>
         </p:txBody>
       </p:sp>
@@ -6277,7 +6060,7 @@
         <p:spPr>
           <a:xfrm>
             <a:off x="7068093" y="4368317"/>
-            <a:ext cx="816249" cy="369332"/>
+            <a:ext cx="729687" cy="369332"/>
           </a:xfrm>
           <a:prstGeom prst="rect">
             <a:avLst/>
@@ -6291,10 +6074,9 @@
           <a:lstStyle/>
           <a:p>
             <a:r>
-              <a:rPr lang="en-US" dirty="0" smtClean="0"/>
-              <a:t>Seema</a:t>
-            </a:r>
-            <a:endParaRPr lang="en-US" dirty="0"/>
+              <a:rPr lang="en-US" dirty="0"/>
+              <a:t>Annie</a:t>
+            </a:r>
           </a:p>
         </p:txBody>
       </p:sp>
@@ -6352,14 +6134,17 @@
           <a:p>
             <a:pPr algn="ctr"/>
             <a:r>
-              <a:rPr lang="en-US" sz="5000" dirty="0" smtClean="0"/>
-              <a:t>¿Qué dicen </a:t>
-            </a:r>
-            <a:r>
-              <a:rPr lang="en-US" sz="5000" dirty="0" smtClean="0"/>
-              <a:t>Seema y Barba roja?</a:t>
-            </a:r>
-            <a:endParaRPr lang="en-US" sz="5000" dirty="0" smtClean="0"/>
+              <a:rPr lang="en-US" sz="5000" dirty="0"/>
+              <a:t>¿Qué </a:t>
+            </a:r>
+            <a:r>
+              <a:rPr lang="en-US" sz="5000" dirty="0" err="1"/>
+              <a:t>dicen</a:t>
+            </a:r>
+            <a:r>
+              <a:rPr lang="en-US" sz="5000" dirty="0"/>
+              <a:t> Annie y Miguel?</a:t>
+            </a:r>
           </a:p>
         </p:txBody>
       </p:sp>
@@ -6718,7 +6503,7 @@
         <p:spPr>
           <a:xfrm>
             <a:off x="1172015" y="4744523"/>
-            <a:ext cx="548548" cy="369332"/>
+            <a:ext cx="588623" cy="369332"/>
           </a:xfrm>
           <a:prstGeom prst="rect">
             <a:avLst/>
@@ -6732,10 +6517,9 @@
           <a:lstStyle/>
           <a:p>
             <a:r>
-              <a:rPr lang="en-US" dirty="0" smtClean="0"/>
-              <a:t>Will</a:t>
-            </a:r>
-            <a:endParaRPr lang="en-US" dirty="0"/>
+              <a:rPr lang="en-US" dirty="0"/>
+              <a:t>Nick</a:t>
+            </a:r>
           </a:p>
         </p:txBody>
       </p:sp>
@@ -6748,7 +6532,7 @@
         <p:spPr>
           <a:xfrm>
             <a:off x="4362337" y="3630901"/>
-            <a:ext cx="1149161" cy="369332"/>
+            <a:ext cx="833883" cy="369332"/>
           </a:xfrm>
           <a:prstGeom prst="rect">
             <a:avLst/>
@@ -6762,10 +6546,9 @@
           <a:lstStyle/>
           <a:p>
             <a:r>
-              <a:rPr lang="en-US" dirty="0" smtClean="0"/>
-              <a:t>Barba roja</a:t>
-            </a:r>
-            <a:endParaRPr lang="en-US" dirty="0"/>
+              <a:rPr lang="en-US" dirty="0"/>
+              <a:t>Miguel</a:t>
+            </a:r>
           </a:p>
         </p:txBody>
       </p:sp>
@@ -6808,7 +6591,7 @@
         <p:spPr>
           <a:xfrm>
             <a:off x="7068093" y="4368317"/>
-            <a:ext cx="816249" cy="369332"/>
+            <a:ext cx="729687" cy="369332"/>
           </a:xfrm>
           <a:prstGeom prst="rect">
             <a:avLst/>
@@ -6822,10 +6605,9 @@
           <a:lstStyle/>
           <a:p>
             <a:r>
-              <a:rPr lang="en-US" dirty="0" smtClean="0"/>
-              <a:t>Seema</a:t>
-            </a:r>
-            <a:endParaRPr lang="en-US" dirty="0"/>
+              <a:rPr lang="en-US" dirty="0"/>
+              <a:t>Annie</a:t>
+            </a:r>
           </a:p>
         </p:txBody>
       </p:sp>
@@ -6883,14 +6665,17 @@
           <a:p>
             <a:pPr algn="ctr"/>
             <a:r>
-              <a:rPr lang="en-US" sz="5000" dirty="0" smtClean="0"/>
-              <a:t>¿Qué dicen </a:t>
-            </a:r>
-            <a:r>
-              <a:rPr lang="en-US" sz="5000" dirty="0" smtClean="0"/>
-              <a:t>Seema y Barba roja?</a:t>
-            </a:r>
-            <a:endParaRPr lang="en-US" sz="5000" dirty="0" smtClean="0"/>
+              <a:rPr lang="en-US" sz="5000" dirty="0"/>
+              <a:t>¿Qué </a:t>
+            </a:r>
+            <a:r>
+              <a:rPr lang="en-US" sz="5000" dirty="0" err="1"/>
+              <a:t>dicen</a:t>
+            </a:r>
+            <a:r>
+              <a:rPr lang="en-US" sz="5000" dirty="0"/>
+              <a:t> Annie y Miguel?</a:t>
+            </a:r>
           </a:p>
         </p:txBody>
       </p:sp>
@@ -6932,10 +6717,9 @@
           <a:p>
             <a:pPr algn="ctr"/>
             <a:r>
-              <a:rPr lang="en-US" sz="3000" dirty="0" smtClean="0"/>
+              <a:rPr lang="en-US" sz="3000" dirty="0"/>
               <a:t>Te la damos</a:t>
             </a:r>
-            <a:endParaRPr lang="en-US" sz="3000" dirty="0"/>
           </a:p>
         </p:txBody>
       </p:sp>
@@ -7342,7 +7126,7 @@
         <p:spPr>
           <a:xfrm>
             <a:off x="1172015" y="4744523"/>
-            <a:ext cx="548548" cy="369332"/>
+            <a:ext cx="588623" cy="369332"/>
           </a:xfrm>
           <a:prstGeom prst="rect">
             <a:avLst/>
@@ -7356,10 +7140,9 @@
           <a:lstStyle/>
           <a:p>
             <a:r>
-              <a:rPr lang="en-US" dirty="0" smtClean="0"/>
-              <a:t>Will</a:t>
-            </a:r>
-            <a:endParaRPr lang="en-US" dirty="0"/>
+              <a:rPr lang="en-US" dirty="0"/>
+              <a:t>Nick</a:t>
+            </a:r>
           </a:p>
         </p:txBody>
       </p:sp>
@@ -7372,7 +7155,7 @@
         <p:spPr>
           <a:xfrm>
             <a:off x="4362337" y="3630901"/>
-            <a:ext cx="1149161" cy="369332"/>
+            <a:ext cx="833883" cy="369332"/>
           </a:xfrm>
           <a:prstGeom prst="rect">
             <a:avLst/>
@@ -7386,10 +7169,9 @@
           <a:lstStyle/>
           <a:p>
             <a:r>
-              <a:rPr lang="en-US" dirty="0" smtClean="0"/>
-              <a:t>Barba roja</a:t>
-            </a:r>
-            <a:endParaRPr lang="en-US" dirty="0"/>
+              <a:rPr lang="en-US" dirty="0"/>
+              <a:t>Miguel</a:t>
+            </a:r>
           </a:p>
         </p:txBody>
       </p:sp>
@@ -7432,7 +7214,7 @@
         <p:spPr>
           <a:xfrm>
             <a:off x="7068093" y="4368317"/>
-            <a:ext cx="816249" cy="369332"/>
+            <a:ext cx="729687" cy="369332"/>
           </a:xfrm>
           <a:prstGeom prst="rect">
             <a:avLst/>
@@ -7446,10 +7228,9 @@
           <a:lstStyle/>
           <a:p>
             <a:r>
-              <a:rPr lang="en-US" dirty="0" smtClean="0"/>
-              <a:t>Seema</a:t>
-            </a:r>
-            <a:endParaRPr lang="en-US" dirty="0"/>
+              <a:rPr lang="en-US" dirty="0"/>
+              <a:t>Annie</a:t>
+            </a:r>
           </a:p>
         </p:txBody>
       </p:sp>
@@ -7507,14 +7288,14 @@
           <a:p>
             <a:pPr algn="ctr"/>
             <a:r>
-              <a:rPr lang="en-US" sz="5000" dirty="0" smtClean="0"/>
-              <a:t>¿Qué dice </a:t>
-            </a:r>
-            <a:r>
-              <a:rPr lang="en-US" sz="5000" dirty="0" smtClean="0"/>
-              <a:t>Will?</a:t>
-            </a:r>
-            <a:endParaRPr lang="en-US" sz="5000" dirty="0" smtClean="0"/>
+              <a:rPr lang="en-US" sz="5000" dirty="0"/>
+              <a:t>¿Qué </a:t>
+            </a:r>
+            <a:r>
+              <a:rPr lang="en-US" sz="5000"/>
+              <a:t>dice Nick?</a:t>
+            </a:r>
+            <a:endParaRPr lang="en-US" sz="5000" dirty="0"/>
           </a:p>
         </p:txBody>
       </p:sp>
@@ -7556,10 +7337,9 @@
           <a:p>
             <a:pPr algn="ctr"/>
             <a:r>
-              <a:rPr lang="en-US" sz="3000" dirty="0" smtClean="0"/>
+              <a:rPr lang="en-US" sz="3000" dirty="0"/>
               <a:t>Me la dan/dais</a:t>
             </a:r>
-            <a:endParaRPr lang="en-US" sz="3000" dirty="0"/>
           </a:p>
         </p:txBody>
       </p:sp>
@@ -7996,7 +7776,7 @@
         <p:spPr>
           <a:xfrm>
             <a:off x="1172015" y="4744523"/>
-            <a:ext cx="548548" cy="369332"/>
+            <a:ext cx="588623" cy="369332"/>
           </a:xfrm>
           <a:prstGeom prst="rect">
             <a:avLst/>
@@ -8010,10 +7790,9 @@
           <a:lstStyle/>
           <a:p>
             <a:r>
-              <a:rPr lang="en-US" dirty="0" smtClean="0"/>
-              <a:t>Will</a:t>
-            </a:r>
-            <a:endParaRPr lang="en-US" dirty="0"/>
+              <a:rPr lang="en-US" dirty="0"/>
+              <a:t>Nick</a:t>
+            </a:r>
           </a:p>
         </p:txBody>
       </p:sp>
@@ -8026,7 +7805,7 @@
         <p:spPr>
           <a:xfrm>
             <a:off x="4362337" y="3630901"/>
-            <a:ext cx="1149161" cy="369332"/>
+            <a:ext cx="833883" cy="369332"/>
           </a:xfrm>
           <a:prstGeom prst="rect">
             <a:avLst/>
@@ -8040,43 +7819,12 @@
           <a:lstStyle/>
           <a:p>
             <a:r>
-              <a:rPr lang="en-US" dirty="0" smtClean="0"/>
-              <a:t>Barba roja</a:t>
-            </a:r>
-            <a:endParaRPr lang="en-US" dirty="0"/>
-          </a:p>
-        </p:txBody>
-      </p:sp>
-      <p:pic>
-        <p:nvPicPr>
-          <p:cNvPr id="2" name="Imagen 1"/>
-          <p:cNvPicPr>
-            <a:picLocks noChangeAspect="1"/>
-          </p:cNvPicPr>
-          <p:nvPr/>
-        </p:nvPicPr>
-        <p:blipFill>
-          <a:blip r:embed="rId5">
-            <a:extLst>
-              <a:ext uri="{28A0092B-C50C-407E-A947-70E740481C1C}">
-                <a14:useLocalDpi xmlns:a14="http://schemas.microsoft.com/office/drawing/2010/main" val="0"/>
-              </a:ext>
-            </a:extLst>
-          </a:blip>
-          <a:stretch>
-            <a:fillRect/>
-          </a:stretch>
-        </p:blipFill>
-        <p:spPr>
-          <a:xfrm>
-            <a:off x="3995629" y="1212341"/>
-            <a:ext cx="1620311" cy="754026"/>
-          </a:xfrm>
-          <a:prstGeom prst="rect">
-            <a:avLst/>
-          </a:prstGeom>
-        </p:spPr>
-      </p:pic>
+              <a:rPr lang="en-US" dirty="0"/>
+              <a:t>Miguel</a:t>
+            </a:r>
+          </a:p>
+        </p:txBody>
+      </p:sp>
     </p:spTree>
     <p:extLst>
       <p:ext uri="{BB962C8B-B14F-4D97-AF65-F5344CB8AC3E}">
@@ -8087,13 +7835,6 @@
   <p:clrMapOvr>
     <a:masterClrMapping/>
   </p:clrMapOvr>
-  <p:timing>
-    <p:tnLst>
-      <p:par>
-        <p:cTn id="1" dur="indefinite" restart="never" nodeType="tmRoot"/>
-      </p:par>
-    </p:tnLst>
-  </p:timing>
 </p:sld>
 </file>
 
@@ -8213,7 +7954,7 @@
         <p:spPr>
           <a:xfrm>
             <a:off x="1172015" y="4744523"/>
-            <a:ext cx="548548" cy="369332"/>
+            <a:ext cx="588623" cy="369332"/>
           </a:xfrm>
           <a:prstGeom prst="rect">
             <a:avLst/>
@@ -8227,10 +7968,9 @@
           <a:lstStyle/>
           <a:p>
             <a:r>
-              <a:rPr lang="en-US" dirty="0" smtClean="0"/>
-              <a:t>Will</a:t>
-            </a:r>
-            <a:endParaRPr lang="en-US" dirty="0"/>
+              <a:rPr lang="en-US" dirty="0"/>
+              <a:t>Nick</a:t>
+            </a:r>
           </a:p>
         </p:txBody>
       </p:sp>
@@ -8243,7 +7983,7 @@
         <p:spPr>
           <a:xfrm>
             <a:off x="4362337" y="3630901"/>
-            <a:ext cx="1149161" cy="369332"/>
+            <a:ext cx="833883" cy="369332"/>
           </a:xfrm>
           <a:prstGeom prst="rect">
             <a:avLst/>
@@ -8257,10 +7997,9 @@
           <a:lstStyle/>
           <a:p>
             <a:r>
-              <a:rPr lang="en-US" dirty="0" smtClean="0"/>
-              <a:t>Barba roja</a:t>
-            </a:r>
-            <a:endParaRPr lang="en-US" dirty="0"/>
+              <a:rPr lang="en-US" dirty="0"/>
+              <a:t>Miguel</a:t>
+            </a:r>
           </a:p>
         </p:txBody>
       </p:sp>
@@ -8288,11 +8027,11 @@
           <a:p>
             <a:pPr algn="ctr"/>
             <a:r>
-              <a:rPr lang="en-US" sz="5000" dirty="0" smtClean="0"/>
-              <a:t>Will </a:t>
-            </a:r>
-            <a:r>
-              <a:rPr lang="en-US" sz="5000" dirty="0" smtClean="0">
+              <a:rPr lang="en-US" sz="5000" dirty="0"/>
+              <a:t>Nick </a:t>
+            </a:r>
+            <a:r>
+              <a:rPr lang="en-US" sz="5000" dirty="0">
                 <a:solidFill>
                   <a:srgbClr val="FF0000"/>
                 </a:solidFill>
@@ -8300,19 +8039,19 @@
               <a:t>le</a:t>
             </a:r>
             <a:r>
-              <a:rPr lang="en-US" sz="5000" dirty="0" smtClean="0"/>
+              <a:rPr lang="en-US" sz="5000" dirty="0"/>
               <a:t> </a:t>
             </a:r>
             <a:r>
-              <a:rPr lang="en-US" sz="5000" u="sng" dirty="0" smtClean="0"/>
+              <a:rPr lang="en-US" sz="5000" u="sng" dirty="0"/>
               <a:t>da</a:t>
             </a:r>
             <a:r>
-              <a:rPr lang="en-US" sz="5000" dirty="0" smtClean="0"/>
+              <a:rPr lang="en-US" sz="5000" dirty="0"/>
               <a:t> </a:t>
             </a:r>
             <a:r>
-              <a:rPr lang="en-US" sz="5000" dirty="0" smtClean="0">
+              <a:rPr lang="en-US" sz="5000" dirty="0">
                 <a:solidFill>
                   <a:srgbClr val="558ED5"/>
                 </a:solidFill>
@@ -8320,59 +8059,20 @@
               <a:t>la pelota </a:t>
             </a:r>
             <a:r>
-              <a:rPr lang="en-US" sz="5000" dirty="0" smtClean="0">
+              <a:rPr lang="en-US" sz="5000" dirty="0">
                 <a:solidFill>
                   <a:srgbClr val="FF0000"/>
                 </a:solidFill>
               </a:rPr>
-              <a:t>a </a:t>
-            </a:r>
-            <a:r>
-              <a:rPr lang="en-US" sz="5000" dirty="0" smtClean="0">
-                <a:solidFill>
-                  <a:srgbClr val="FF0000"/>
-                </a:solidFill>
-              </a:rPr>
-              <a:t>Barba roja</a:t>
-            </a:r>
-            <a:r>
-              <a:rPr lang="en-US" sz="5000" dirty="0" smtClean="0"/>
+              <a:t>a Miguel</a:t>
+            </a:r>
+            <a:r>
+              <a:rPr lang="en-US" sz="5000" dirty="0"/>
               <a:t>.</a:t>
             </a:r>
-            <a:endParaRPr lang="en-US" sz="5000" dirty="0" smtClean="0"/>
-          </a:p>
-        </p:txBody>
-      </p:sp>
-      <p:pic>
-        <p:nvPicPr>
-          <p:cNvPr id="10" name="Imagen 9"/>
-          <p:cNvPicPr>
-            <a:picLocks noChangeAspect="1"/>
-          </p:cNvPicPr>
-          <p:nvPr/>
-        </p:nvPicPr>
-        <p:blipFill>
-          <a:blip r:embed="rId5">
-            <a:extLst>
-              <a:ext uri="{28A0092B-C50C-407E-A947-70E740481C1C}">
-                <a14:useLocalDpi xmlns:a14="http://schemas.microsoft.com/office/drawing/2010/main" val="0"/>
-              </a:ext>
-            </a:extLst>
-          </a:blip>
-          <a:stretch>
-            <a:fillRect/>
-          </a:stretch>
-        </p:blipFill>
-        <p:spPr>
-          <a:xfrm>
-            <a:off x="3995629" y="1212341"/>
-            <a:ext cx="1620311" cy="754026"/>
-          </a:xfrm>
-          <a:prstGeom prst="rect">
-            <a:avLst/>
-          </a:prstGeom>
-        </p:spPr>
-      </p:pic>
+          </a:p>
+        </p:txBody>
+      </p:sp>
     </p:spTree>
     <p:extLst>
       <p:ext uri="{BB962C8B-B14F-4D97-AF65-F5344CB8AC3E}">
@@ -8383,13 +8083,6 @@
   <p:clrMapOvr>
     <a:masterClrMapping/>
   </p:clrMapOvr>
-  <p:timing>
-    <p:tnLst>
-      <p:par>
-        <p:cTn id="1" dur="indefinite" restart="never" nodeType="tmRoot"/>
-      </p:par>
-    </p:tnLst>
-  </p:timing>
 </p:sld>
 </file>
 
@@ -8509,7 +8202,7 @@
         <p:spPr>
           <a:xfrm>
             <a:off x="1172015" y="4744523"/>
-            <a:ext cx="548548" cy="369332"/>
+            <a:ext cx="588623" cy="369332"/>
           </a:xfrm>
           <a:prstGeom prst="rect">
             <a:avLst/>
@@ -8523,10 +8216,9 @@
           <a:lstStyle/>
           <a:p>
             <a:r>
-              <a:rPr lang="en-US" dirty="0" smtClean="0"/>
-              <a:t>Will</a:t>
-            </a:r>
-            <a:endParaRPr lang="en-US" dirty="0"/>
+              <a:rPr lang="en-US" dirty="0"/>
+              <a:t>Nick</a:t>
+            </a:r>
           </a:p>
         </p:txBody>
       </p:sp>
@@ -8539,7 +8231,7 @@
         <p:spPr>
           <a:xfrm>
             <a:off x="4362337" y="3630901"/>
-            <a:ext cx="1149161" cy="369332"/>
+            <a:ext cx="833883" cy="369332"/>
           </a:xfrm>
           <a:prstGeom prst="rect">
             <a:avLst/>
@@ -8553,10 +8245,9 @@
           <a:lstStyle/>
           <a:p>
             <a:r>
-              <a:rPr lang="en-US" dirty="0" smtClean="0"/>
-              <a:t>Barba roja</a:t>
-            </a:r>
-            <a:endParaRPr lang="en-US" dirty="0"/>
+              <a:rPr lang="en-US" dirty="0"/>
+              <a:t>Miguel</a:t>
+            </a:r>
           </a:p>
         </p:txBody>
       </p:sp>
@@ -8584,11 +8275,11 @@
           <a:p>
             <a:pPr algn="ctr"/>
             <a:r>
-              <a:rPr lang="en-US" sz="5000" dirty="0" smtClean="0"/>
-              <a:t>Will </a:t>
-            </a:r>
-            <a:r>
-              <a:rPr lang="en-US" sz="5000" dirty="0" smtClean="0">
+              <a:rPr lang="en-US" sz="5000" dirty="0"/>
+              <a:t>Nick </a:t>
+            </a:r>
+            <a:r>
+              <a:rPr lang="en-US" sz="5000" dirty="0">
                 <a:solidFill>
                   <a:srgbClr val="FF0000"/>
                 </a:solidFill>
@@ -8596,19 +8287,19 @@
               <a:t>le</a:t>
             </a:r>
             <a:r>
-              <a:rPr lang="en-US" sz="5000" dirty="0" smtClean="0"/>
+              <a:rPr lang="en-US" sz="5000" dirty="0"/>
               <a:t> </a:t>
             </a:r>
             <a:r>
-              <a:rPr lang="en-US" sz="5000" u="sng" dirty="0" smtClean="0"/>
+              <a:rPr lang="en-US" sz="5000" u="sng" dirty="0"/>
               <a:t>da</a:t>
             </a:r>
             <a:r>
-              <a:rPr lang="en-US" sz="5000" dirty="0" smtClean="0"/>
+              <a:rPr lang="en-US" sz="5000" dirty="0"/>
               <a:t> </a:t>
             </a:r>
             <a:r>
-              <a:rPr lang="en-US" sz="5000" dirty="0" smtClean="0">
+              <a:rPr lang="en-US" sz="5000" dirty="0">
                 <a:solidFill>
                   <a:srgbClr val="558ED5"/>
                 </a:solidFill>
@@ -8616,35 +8307,26 @@
               <a:t>la pelota </a:t>
             </a:r>
             <a:r>
-              <a:rPr lang="en-US" sz="5000" dirty="0" smtClean="0">
+              <a:rPr lang="en-US" sz="5000" dirty="0">
                 <a:solidFill>
                   <a:srgbClr val="FF0000"/>
                 </a:solidFill>
               </a:rPr>
-              <a:t>a </a:t>
-            </a:r>
-            <a:r>
-              <a:rPr lang="en-US" sz="5000" dirty="0" smtClean="0">
-                <a:solidFill>
-                  <a:srgbClr val="FF0000"/>
-                </a:solidFill>
-              </a:rPr>
-              <a:t>Barba roja</a:t>
-            </a:r>
-            <a:r>
-              <a:rPr lang="en-US" sz="5000" dirty="0" smtClean="0"/>
+              <a:t>a Miguel</a:t>
+            </a:r>
+            <a:r>
+              <a:rPr lang="en-US" sz="5000" dirty="0"/>
               <a:t>.</a:t>
             </a:r>
-            <a:endParaRPr lang="en-US" sz="5000" dirty="0" smtClean="0"/>
           </a:p>
           <a:p>
             <a:pPr algn="ctr"/>
             <a:r>
-              <a:rPr lang="en-US" sz="5000" dirty="0" smtClean="0"/>
-              <a:t>Will </a:t>
-            </a:r>
-            <a:r>
-              <a:rPr lang="en-US" sz="5000" dirty="0" smtClean="0">
+              <a:rPr lang="en-US" sz="5000" dirty="0"/>
+              <a:t>Nick </a:t>
+            </a:r>
+            <a:r>
+              <a:rPr lang="en-US" sz="5000" dirty="0">
                 <a:solidFill>
                   <a:schemeClr val="accent2"/>
                 </a:solidFill>
@@ -8652,11 +8334,11 @@
               <a:t>se</a:t>
             </a:r>
             <a:r>
-              <a:rPr lang="en-US" sz="5000" dirty="0" smtClean="0"/>
+              <a:rPr lang="en-US" sz="5000" dirty="0"/>
               <a:t> </a:t>
             </a:r>
             <a:r>
-              <a:rPr lang="en-US" sz="5000" dirty="0" smtClean="0">
+              <a:rPr lang="en-US" sz="5000" dirty="0">
                 <a:solidFill>
                   <a:schemeClr val="tx2">
                     <a:lumMod val="60000"/>
@@ -8667,51 +8349,20 @@
               <a:t>la</a:t>
             </a:r>
             <a:r>
-              <a:rPr lang="en-US" sz="5000" dirty="0" smtClean="0"/>
+              <a:rPr lang="en-US" sz="5000" dirty="0"/>
               <a:t> </a:t>
             </a:r>
             <a:r>
-              <a:rPr lang="en-US" sz="5000" u="sng" dirty="0" smtClean="0"/>
+              <a:rPr lang="en-US" sz="5000" u="sng" dirty="0"/>
               <a:t>da</a:t>
             </a:r>
             <a:r>
-              <a:rPr lang="en-US" sz="5000" dirty="0" smtClean="0"/>
+              <a:rPr lang="en-US" sz="5000" dirty="0"/>
               <a:t>.</a:t>
             </a:r>
-            <a:endParaRPr lang="en-US" sz="5000" dirty="0"/>
-          </a:p>
-        </p:txBody>
-      </p:sp>
-      <p:pic>
-        <p:nvPicPr>
-          <p:cNvPr id="10" name="Imagen 9"/>
-          <p:cNvPicPr>
-            <a:picLocks noChangeAspect="1"/>
-          </p:cNvPicPr>
-          <p:nvPr/>
-        </p:nvPicPr>
-        <p:blipFill>
-          <a:blip r:embed="rId5">
-            <a:extLst>
-              <a:ext uri="{28A0092B-C50C-407E-A947-70E740481C1C}">
-                <a14:useLocalDpi xmlns:a14="http://schemas.microsoft.com/office/drawing/2010/main" val="0"/>
-              </a:ext>
-            </a:extLst>
-          </a:blip>
-          <a:stretch>
-            <a:fillRect/>
-          </a:stretch>
-        </p:blipFill>
-        <p:spPr>
-          <a:xfrm>
-            <a:off x="3995629" y="1212341"/>
-            <a:ext cx="1620311" cy="754026"/>
-          </a:xfrm>
-          <a:prstGeom prst="rect">
-            <a:avLst/>
-          </a:prstGeom>
-        </p:spPr>
-      </p:pic>
+          </a:p>
+        </p:txBody>
+      </p:sp>
     </p:spTree>
     <p:extLst>
       <p:ext uri="{BB962C8B-B14F-4D97-AF65-F5344CB8AC3E}">
@@ -8722,13 +8373,6 @@
   <p:clrMapOvr>
     <a:masterClrMapping/>
   </p:clrMapOvr>
-  <p:timing>
-    <p:tnLst>
-      <p:par>
-        <p:cTn id="1" dur="indefinite" restart="never" nodeType="tmRoot"/>
-      </p:par>
-    </p:tnLst>
-  </p:timing>
 </p:sld>
 </file>
 
@@ -8848,7 +8492,7 @@
         <p:spPr>
           <a:xfrm>
             <a:off x="1172015" y="5448629"/>
-            <a:ext cx="548548" cy="369332"/>
+            <a:ext cx="588623" cy="369332"/>
           </a:xfrm>
           <a:prstGeom prst="rect">
             <a:avLst/>
@@ -8862,10 +8506,9 @@
           <a:lstStyle/>
           <a:p>
             <a:r>
-              <a:rPr lang="en-US" dirty="0" smtClean="0"/>
-              <a:t>Will</a:t>
-            </a:r>
-            <a:endParaRPr lang="en-US" dirty="0"/>
+              <a:rPr lang="en-US" dirty="0"/>
+              <a:t>Nick</a:t>
+            </a:r>
           </a:p>
         </p:txBody>
       </p:sp>
@@ -8878,7 +8521,7 @@
         <p:spPr>
           <a:xfrm>
             <a:off x="4362337" y="3630901"/>
-            <a:ext cx="1149161" cy="369332"/>
+            <a:ext cx="833883" cy="369332"/>
           </a:xfrm>
           <a:prstGeom prst="rect">
             <a:avLst/>
@@ -8892,10 +8535,9 @@
           <a:lstStyle/>
           <a:p>
             <a:r>
-              <a:rPr lang="en-US" dirty="0" smtClean="0"/>
-              <a:t>Barba roja</a:t>
-            </a:r>
-            <a:endParaRPr lang="en-US" dirty="0"/>
+              <a:rPr lang="en-US" dirty="0"/>
+              <a:t>Miguel</a:t>
+            </a:r>
           </a:p>
         </p:txBody>
       </p:sp>
@@ -8923,14 +8565,9 @@
           <a:p>
             <a:pPr algn="ctr"/>
             <a:r>
-              <a:rPr lang="en-US" sz="5000" dirty="0" smtClean="0"/>
-              <a:t>¿Qué dice </a:t>
-            </a:r>
-            <a:r>
-              <a:rPr lang="en-US" sz="5000" dirty="0" smtClean="0"/>
-              <a:t>Will?</a:t>
-            </a:r>
-            <a:endParaRPr lang="en-US" sz="5000" dirty="0"/>
+              <a:rPr lang="en-US" sz="5000" dirty="0"/>
+              <a:t>¿Qué dice Nick?</a:t>
+            </a:r>
           </a:p>
         </p:txBody>
       </p:sp>
@@ -8969,10 +8606,9 @@
           <a:p>
             <a:pPr algn="ctr"/>
             <a:r>
-              <a:rPr lang="en-US" sz="3000" dirty="0" smtClean="0"/>
+              <a:rPr lang="en-US" sz="3000" dirty="0"/>
               <a:t>Te la doy</a:t>
             </a:r>
-            <a:endParaRPr lang="en-US" sz="3000" dirty="0"/>
           </a:p>
         </p:txBody>
       </p:sp>
@@ -9009,36 +8645,6 @@
           </a:fontRef>
         </p:style>
       </p:cxnSp>
-      <p:pic>
-        <p:nvPicPr>
-          <p:cNvPr id="10" name="Imagen 9"/>
-          <p:cNvPicPr>
-            <a:picLocks noChangeAspect="1"/>
-          </p:cNvPicPr>
-          <p:nvPr/>
-        </p:nvPicPr>
-        <p:blipFill>
-          <a:blip r:embed="rId5">
-            <a:extLst>
-              <a:ext uri="{28A0092B-C50C-407E-A947-70E740481C1C}">
-                <a14:useLocalDpi xmlns:a14="http://schemas.microsoft.com/office/drawing/2010/main" val="0"/>
-              </a:ext>
-            </a:extLst>
-          </a:blip>
-          <a:stretch>
-            <a:fillRect/>
-          </a:stretch>
-        </p:blipFill>
-        <p:spPr>
-          <a:xfrm>
-            <a:off x="3995629" y="1212341"/>
-            <a:ext cx="1620311" cy="754026"/>
-          </a:xfrm>
-          <a:prstGeom prst="rect">
-            <a:avLst/>
-          </a:prstGeom>
-        </p:spPr>
-      </p:pic>
     </p:spTree>
     <p:extLst>
       <p:ext uri="{BB962C8B-B14F-4D97-AF65-F5344CB8AC3E}">
@@ -9344,7 +8950,7 @@
         <p:spPr>
           <a:xfrm>
             <a:off x="1172015" y="5448629"/>
-            <a:ext cx="548548" cy="369332"/>
+            <a:ext cx="588623" cy="369332"/>
           </a:xfrm>
           <a:prstGeom prst="rect">
             <a:avLst/>
@@ -9358,10 +8964,9 @@
           <a:lstStyle/>
           <a:p>
             <a:r>
-              <a:rPr lang="en-US" dirty="0" smtClean="0"/>
-              <a:t>Will</a:t>
-            </a:r>
-            <a:endParaRPr lang="en-US" dirty="0"/>
+              <a:rPr lang="en-US" dirty="0"/>
+              <a:t>Nick</a:t>
+            </a:r>
           </a:p>
         </p:txBody>
       </p:sp>
@@ -9374,7 +8979,7 @@
         <p:spPr>
           <a:xfrm>
             <a:off x="4362337" y="3630901"/>
-            <a:ext cx="1149161" cy="369332"/>
+            <a:ext cx="833883" cy="369332"/>
           </a:xfrm>
           <a:prstGeom prst="rect">
             <a:avLst/>
@@ -9388,10 +8993,9 @@
           <a:lstStyle/>
           <a:p>
             <a:r>
-              <a:rPr lang="en-US" dirty="0" smtClean="0"/>
-              <a:t>Barba roja</a:t>
-            </a:r>
-            <a:endParaRPr lang="en-US" dirty="0"/>
+              <a:rPr lang="en-US" dirty="0"/>
+              <a:t>Miguel</a:t>
+            </a:r>
           </a:p>
         </p:txBody>
       </p:sp>
@@ -9419,14 +9023,9 @@
           <a:p>
             <a:pPr algn="ctr"/>
             <a:r>
-              <a:rPr lang="en-US" sz="5000" dirty="0" smtClean="0"/>
-              <a:t>¿Qué dice </a:t>
-            </a:r>
-            <a:r>
-              <a:rPr lang="en-US" sz="5000" dirty="0" smtClean="0"/>
-              <a:t>Barba roja?</a:t>
-            </a:r>
-            <a:endParaRPr lang="en-US" sz="5000" dirty="0"/>
+              <a:rPr lang="en-US" sz="5000" dirty="0"/>
+              <a:t>¿Qué dice Miguel?</a:t>
+            </a:r>
           </a:p>
         </p:txBody>
       </p:sp>
@@ -9465,10 +9064,9 @@
           <a:p>
             <a:pPr algn="ctr"/>
             <a:r>
-              <a:rPr lang="en-US" sz="3000" dirty="0" smtClean="0"/>
+              <a:rPr lang="en-US" sz="3000" dirty="0"/>
               <a:t>Me la das</a:t>
             </a:r>
-            <a:endParaRPr lang="en-US" sz="3000" dirty="0"/>
           </a:p>
         </p:txBody>
       </p:sp>
@@ -9505,36 +9103,6 @@
           </a:fontRef>
         </p:style>
       </p:cxnSp>
-      <p:pic>
-        <p:nvPicPr>
-          <p:cNvPr id="11" name="Imagen 10"/>
-          <p:cNvPicPr>
-            <a:picLocks noChangeAspect="1"/>
-          </p:cNvPicPr>
-          <p:nvPr/>
-        </p:nvPicPr>
-        <p:blipFill>
-          <a:blip r:embed="rId5">
-            <a:extLst>
-              <a:ext uri="{28A0092B-C50C-407E-A947-70E740481C1C}">
-                <a14:useLocalDpi xmlns:a14="http://schemas.microsoft.com/office/drawing/2010/main" val="0"/>
-              </a:ext>
-            </a:extLst>
-          </a:blip>
-          <a:stretch>
-            <a:fillRect/>
-          </a:stretch>
-        </p:blipFill>
-        <p:spPr>
-          <a:xfrm>
-            <a:off x="3995629" y="1212341"/>
-            <a:ext cx="1620311" cy="754026"/>
-          </a:xfrm>
-          <a:prstGeom prst="rect">
-            <a:avLst/>
-          </a:prstGeom>
-        </p:spPr>
-      </p:pic>
     </p:spTree>
     <p:extLst>
       <p:ext uri="{BB962C8B-B14F-4D97-AF65-F5344CB8AC3E}">
@@ -9762,14 +9330,13 @@
           <a:lstStyle/>
           <a:p>
             <a:r>
-              <a:rPr lang="en-US" dirty="0" err="1" smtClean="0"/>
+              <a:rPr lang="en-US" dirty="0" err="1"/>
               <a:t>Situación</a:t>
             </a:r>
             <a:r>
-              <a:rPr lang="en-US" dirty="0" smtClean="0"/>
+              <a:rPr lang="en-US" dirty="0"/>
               <a:t> 2</a:t>
             </a:r>
-            <a:endParaRPr lang="en-US" dirty="0"/>
           </a:p>
         </p:txBody>
       </p:sp>
@@ -9783,13 +9350,6 @@
   <p:clrMapOvr>
     <a:masterClrMapping/>
   </p:clrMapOvr>
-  <p:timing>
-    <p:tnLst>
-      <p:par>
-        <p:cTn id="1" dur="indefinite" restart="never" nodeType="tmRoot"/>
-      </p:par>
-    </p:tnLst>
-  </p:timing>
 </p:sld>
 </file>
 
@@ -9909,7 +9469,7 @@
         <p:spPr>
           <a:xfrm>
             <a:off x="1172015" y="4744523"/>
-            <a:ext cx="548548" cy="369332"/>
+            <a:ext cx="588623" cy="369332"/>
           </a:xfrm>
           <a:prstGeom prst="rect">
             <a:avLst/>
@@ -9923,10 +9483,9 @@
           <a:lstStyle/>
           <a:p>
             <a:r>
-              <a:rPr lang="en-US" dirty="0" smtClean="0"/>
-              <a:t>Will</a:t>
-            </a:r>
-            <a:endParaRPr lang="en-US" dirty="0"/>
+              <a:rPr lang="en-US" dirty="0"/>
+              <a:t>Nick</a:t>
+            </a:r>
           </a:p>
         </p:txBody>
       </p:sp>
@@ -9939,7 +9498,7 @@
         <p:spPr>
           <a:xfrm>
             <a:off x="4362337" y="3630901"/>
-            <a:ext cx="1149161" cy="369332"/>
+            <a:ext cx="833883" cy="369332"/>
           </a:xfrm>
           <a:prstGeom prst="rect">
             <a:avLst/>
@@ -9953,10 +9512,9 @@
           <a:lstStyle/>
           <a:p>
             <a:r>
-              <a:rPr lang="en-US" dirty="0" smtClean="0"/>
-              <a:t>Barba roja</a:t>
-            </a:r>
-            <a:endParaRPr lang="en-US" dirty="0"/>
+              <a:rPr lang="en-US" dirty="0"/>
+              <a:t>Miguel</a:t>
+            </a:r>
           </a:p>
         </p:txBody>
       </p:sp>
@@ -9999,7 +9557,7 @@
         <p:spPr>
           <a:xfrm>
             <a:off x="7068093" y="4368317"/>
-            <a:ext cx="816249" cy="369332"/>
+            <a:ext cx="729687" cy="369332"/>
           </a:xfrm>
           <a:prstGeom prst="rect">
             <a:avLst/>
@@ -10013,43 +9571,12 @@
           <a:lstStyle/>
           <a:p>
             <a:r>
-              <a:rPr lang="en-US" dirty="0" smtClean="0"/>
-              <a:t>Seema</a:t>
-            </a:r>
-            <a:endParaRPr lang="en-US" dirty="0"/>
-          </a:p>
-        </p:txBody>
-      </p:sp>
-      <p:pic>
-        <p:nvPicPr>
-          <p:cNvPr id="9" name="Imagen 8"/>
-          <p:cNvPicPr>
-            <a:picLocks noChangeAspect="1"/>
-          </p:cNvPicPr>
-          <p:nvPr/>
-        </p:nvPicPr>
-        <p:blipFill>
-          <a:blip r:embed="rId6">
-            <a:extLst>
-              <a:ext uri="{28A0092B-C50C-407E-A947-70E740481C1C}">
-                <a14:useLocalDpi xmlns:a14="http://schemas.microsoft.com/office/drawing/2010/main" val="0"/>
-              </a:ext>
-            </a:extLst>
-          </a:blip>
-          <a:stretch>
-            <a:fillRect/>
-          </a:stretch>
-        </p:blipFill>
-        <p:spPr>
-          <a:xfrm>
-            <a:off x="3995629" y="1212341"/>
-            <a:ext cx="1620311" cy="754026"/>
-          </a:xfrm>
-          <a:prstGeom prst="rect">
-            <a:avLst/>
-          </a:prstGeom>
-        </p:spPr>
-      </p:pic>
+              <a:rPr lang="en-US" dirty="0"/>
+              <a:t>Annie</a:t>
+            </a:r>
+          </a:p>
+        </p:txBody>
+      </p:sp>
     </p:spTree>
     <p:extLst>
       <p:ext uri="{BB962C8B-B14F-4D97-AF65-F5344CB8AC3E}">
@@ -10060,13 +9587,6 @@
   <p:clrMapOvr>
     <a:masterClrMapping/>
   </p:clrMapOvr>
-  <p:timing>
-    <p:tnLst>
-      <p:par>
-        <p:cTn id="1" dur="indefinite" restart="never" nodeType="tmRoot"/>
-      </p:par>
-    </p:tnLst>
-  </p:timing>
 </p:sld>
 </file>
 
@@ -10186,7 +9706,7 @@
         <p:spPr>
           <a:xfrm>
             <a:off x="1172015" y="4744523"/>
-            <a:ext cx="548548" cy="369332"/>
+            <a:ext cx="588623" cy="369332"/>
           </a:xfrm>
           <a:prstGeom prst="rect">
             <a:avLst/>
@@ -10200,10 +9720,9 @@
           <a:lstStyle/>
           <a:p>
             <a:r>
-              <a:rPr lang="en-US" dirty="0" smtClean="0"/>
-              <a:t>Will</a:t>
-            </a:r>
-            <a:endParaRPr lang="en-US" dirty="0"/>
+              <a:rPr lang="en-US" dirty="0"/>
+              <a:t>Nick</a:t>
+            </a:r>
           </a:p>
         </p:txBody>
       </p:sp>
@@ -10216,7 +9735,7 @@
         <p:spPr>
           <a:xfrm>
             <a:off x="4362337" y="3630901"/>
-            <a:ext cx="1149161" cy="369332"/>
+            <a:ext cx="833883" cy="369332"/>
           </a:xfrm>
           <a:prstGeom prst="rect">
             <a:avLst/>
@@ -10230,10 +9749,9 @@
           <a:lstStyle/>
           <a:p>
             <a:r>
-              <a:rPr lang="en-US" dirty="0" smtClean="0"/>
-              <a:t>Barba roja</a:t>
-            </a:r>
-            <a:endParaRPr lang="en-US" dirty="0"/>
+              <a:rPr lang="en-US" dirty="0"/>
+              <a:t>Miguel</a:t>
+            </a:r>
           </a:p>
         </p:txBody>
       </p:sp>
@@ -10276,7 +9794,7 @@
         <p:spPr>
           <a:xfrm>
             <a:off x="7068093" y="4368317"/>
-            <a:ext cx="816249" cy="369332"/>
+            <a:ext cx="729687" cy="369332"/>
           </a:xfrm>
           <a:prstGeom prst="rect">
             <a:avLst/>
@@ -10290,10 +9808,9 @@
           <a:lstStyle/>
           <a:p>
             <a:r>
-              <a:rPr lang="en-US" dirty="0" smtClean="0"/>
-              <a:t>Seema</a:t>
-            </a:r>
-            <a:endParaRPr lang="en-US" dirty="0"/>
+              <a:rPr lang="en-US" dirty="0"/>
+              <a:t>Annie</a:t>
+            </a:r>
           </a:p>
         </p:txBody>
       </p:sp>
@@ -10321,11 +9838,11 @@
           <a:p>
             <a:pPr algn="ctr"/>
             <a:r>
-              <a:rPr lang="en-US" sz="5000" dirty="0" smtClean="0"/>
-              <a:t>Will </a:t>
-            </a:r>
-            <a:r>
-              <a:rPr lang="en-US" sz="5000" dirty="0" smtClean="0">
+              <a:rPr lang="en-US" sz="5000" dirty="0"/>
+              <a:t>Nick </a:t>
+            </a:r>
+            <a:r>
+              <a:rPr lang="en-US" sz="5000" dirty="0">
                 <a:solidFill>
                   <a:srgbClr val="FF0000"/>
                 </a:solidFill>
@@ -10333,19 +9850,19 @@
               <a:t>les</a:t>
             </a:r>
             <a:r>
-              <a:rPr lang="en-US" sz="5000" dirty="0" smtClean="0"/>
+              <a:rPr lang="en-US" sz="5000" dirty="0"/>
               <a:t> </a:t>
             </a:r>
             <a:r>
-              <a:rPr lang="en-US" sz="5000" u="sng" dirty="0" smtClean="0"/>
+              <a:rPr lang="en-US" sz="5000" u="sng" dirty="0"/>
               <a:t>da</a:t>
             </a:r>
             <a:r>
-              <a:rPr lang="en-US" sz="5000" dirty="0" smtClean="0"/>
+              <a:rPr lang="en-US" sz="5000" dirty="0"/>
               <a:t> </a:t>
             </a:r>
             <a:r>
-              <a:rPr lang="en-US" sz="5000" dirty="0" smtClean="0">
+              <a:rPr lang="en-US" sz="5000" dirty="0">
                 <a:solidFill>
                   <a:srgbClr val="558ED5"/>
                 </a:solidFill>
@@ -10353,75 +9870,20 @@
               <a:t>la pelota </a:t>
             </a:r>
             <a:r>
-              <a:rPr lang="en-US" sz="5000" dirty="0" smtClean="0">
+              <a:rPr lang="en-US" sz="5000" dirty="0">
                 <a:solidFill>
                   <a:srgbClr val="FF0000"/>
                 </a:solidFill>
               </a:rPr>
-              <a:t>a </a:t>
-            </a:r>
-            <a:r>
-              <a:rPr lang="en-US" sz="5000" dirty="0" smtClean="0">
-                <a:solidFill>
-                  <a:srgbClr val="FF0000"/>
-                </a:solidFill>
-              </a:rPr>
-              <a:t>Barba roja </a:t>
-            </a:r>
-            <a:r>
-              <a:rPr lang="en-US" sz="5000" dirty="0" smtClean="0">
-                <a:solidFill>
-                  <a:srgbClr val="FF0000"/>
-                </a:solidFill>
-              </a:rPr>
-              <a:t>y a </a:t>
-            </a:r>
-            <a:r>
-              <a:rPr lang="en-US" sz="5000" dirty="0" smtClean="0">
-                <a:solidFill>
-                  <a:srgbClr val="FF0000"/>
-                </a:solidFill>
-              </a:rPr>
-              <a:t>Seema</a:t>
-            </a:r>
-            <a:r>
-              <a:rPr lang="en-US" sz="5000" dirty="0" smtClean="0"/>
+              <a:t>a Miguel y a Annie</a:t>
+            </a:r>
+            <a:r>
+              <a:rPr lang="en-US" sz="5000" dirty="0"/>
               <a:t>.</a:t>
             </a:r>
-            <a:endParaRPr lang="en-US" sz="5000" dirty="0" smtClean="0"/>
-          </a:p>
-        </p:txBody>
-      </p:sp>
-      <p:pic>
-        <p:nvPicPr>
-          <p:cNvPr id="11" name="Imagen 10"/>
-          <p:cNvPicPr>
-            <a:picLocks noChangeAspect="1"/>
-          </p:cNvPicPr>
-          <p:nvPr/>
-        </p:nvPicPr>
-        <p:blipFill>
-          <a:blip r:embed="rId6">
-            <a:extLst>
-              <a:ext uri="{28A0092B-C50C-407E-A947-70E740481C1C}">
-                <a14:useLocalDpi xmlns:a14="http://schemas.microsoft.com/office/drawing/2010/main" val="0"/>
-              </a:ext>
-            </a:extLst>
-          </a:blip>
-          <a:stretch>
-            <a:fillRect/>
-          </a:stretch>
-        </p:blipFill>
-        <p:spPr>
-          <a:xfrm>
-            <a:off x="3995629" y="1212341"/>
-            <a:ext cx="1620311" cy="754026"/>
-          </a:xfrm>
-          <a:prstGeom prst="rect">
-            <a:avLst/>
-          </a:prstGeom>
-        </p:spPr>
-      </p:pic>
+          </a:p>
+        </p:txBody>
+      </p:sp>
     </p:spTree>
     <p:extLst>
       <p:ext uri="{BB962C8B-B14F-4D97-AF65-F5344CB8AC3E}">
@@ -10432,13 +9894,6 @@
   <p:clrMapOvr>
     <a:masterClrMapping/>
   </p:clrMapOvr>
-  <p:timing>
-    <p:tnLst>
-      <p:par>
-        <p:cTn id="1" dur="indefinite" restart="never" nodeType="tmRoot"/>
-      </p:par>
-    </p:tnLst>
-  </p:timing>
 </p:sld>
 </file>
 
